--- a/docs/screen_design.pptx
+++ b/docs/screen_design.pptx
@@ -7,6 +7,8 @@
   <p:sldIdLst>
     <p:sldId id="256" r:id="rId2"/>
     <p:sldId id="257" r:id="rId3"/>
+    <p:sldId id="258" r:id="rId4"/>
+    <p:sldId id="259" r:id="rId5"/>
   </p:sldIdLst>
   <p:sldSz cx="12192000" cy="6858000"/>
   <p:notesSz cx="6858000" cy="9144000"/>
@@ -105,6 +107,11 @@
       </a:defRPr>
     </a:lvl9pPr>
   </p:defaultTextStyle>
+  <p:extLst>
+    <p:ext uri="{EFAFB233-063F-42B5-8137-9DF3F51BA10A}">
+      <p15:sldGuideLst xmlns:p15="http://schemas.microsoft.com/office/powerpoint/2012/main"/>
+    </p:ext>
+  </p:extLst>
 </p:presentation>
 </file>
 
@@ -255,7 +262,7 @@
           <a:p>
             <a:fld id="{44ECA503-E06B-44DE-9058-6DB25F77FD9F}" type="datetimeFigureOut">
               <a:rPr kumimoji="1" lang="ja-JP" altLang="en-US" smtClean="0"/>
-              <a:t>2021/12/15</a:t>
+              <a:t>2021/12/17</a:t>
             </a:fld>
             <a:endParaRPr kumimoji="1" lang="ja-JP" altLang="en-US"/>
           </a:p>
@@ -485,7 +492,7 @@
           <a:p>
             <a:fld id="{44ECA503-E06B-44DE-9058-6DB25F77FD9F}" type="datetimeFigureOut">
               <a:rPr kumimoji="1" lang="ja-JP" altLang="en-US" smtClean="0"/>
-              <a:t>2021/12/15</a:t>
+              <a:t>2021/12/17</a:t>
             </a:fld>
             <a:endParaRPr kumimoji="1" lang="ja-JP" altLang="en-US"/>
           </a:p>
@@ -725,7 +732,7 @@
           <a:p>
             <a:fld id="{44ECA503-E06B-44DE-9058-6DB25F77FD9F}" type="datetimeFigureOut">
               <a:rPr kumimoji="1" lang="ja-JP" altLang="en-US" smtClean="0"/>
-              <a:t>2021/12/15</a:t>
+              <a:t>2021/12/17</a:t>
             </a:fld>
             <a:endParaRPr kumimoji="1" lang="ja-JP" altLang="en-US"/>
           </a:p>
@@ -955,7 +962,7 @@
           <a:p>
             <a:fld id="{44ECA503-E06B-44DE-9058-6DB25F77FD9F}" type="datetimeFigureOut">
               <a:rPr kumimoji="1" lang="ja-JP" altLang="en-US" smtClean="0"/>
-              <a:t>2021/12/15</a:t>
+              <a:t>2021/12/17</a:t>
             </a:fld>
             <a:endParaRPr kumimoji="1" lang="ja-JP" altLang="en-US"/>
           </a:p>
@@ -1230,7 +1237,7 @@
           <a:p>
             <a:fld id="{44ECA503-E06B-44DE-9058-6DB25F77FD9F}" type="datetimeFigureOut">
               <a:rPr kumimoji="1" lang="ja-JP" altLang="en-US" smtClean="0"/>
-              <a:t>2021/12/15</a:t>
+              <a:t>2021/12/17</a:t>
             </a:fld>
             <a:endParaRPr kumimoji="1" lang="ja-JP" altLang="en-US"/>
           </a:p>
@@ -1559,7 +1566,7 @@
           <a:p>
             <a:fld id="{44ECA503-E06B-44DE-9058-6DB25F77FD9F}" type="datetimeFigureOut">
               <a:rPr kumimoji="1" lang="ja-JP" altLang="en-US" smtClean="0"/>
-              <a:t>2021/12/15</a:t>
+              <a:t>2021/12/17</a:t>
             </a:fld>
             <a:endParaRPr kumimoji="1" lang="ja-JP" altLang="en-US"/>
           </a:p>
@@ -2035,7 +2042,7 @@
           <a:p>
             <a:fld id="{44ECA503-E06B-44DE-9058-6DB25F77FD9F}" type="datetimeFigureOut">
               <a:rPr kumimoji="1" lang="ja-JP" altLang="en-US" smtClean="0"/>
-              <a:t>2021/12/15</a:t>
+              <a:t>2021/12/17</a:t>
             </a:fld>
             <a:endParaRPr kumimoji="1" lang="ja-JP" altLang="en-US"/>
           </a:p>
@@ -2176,7 +2183,7 @@
           <a:p>
             <a:fld id="{44ECA503-E06B-44DE-9058-6DB25F77FD9F}" type="datetimeFigureOut">
               <a:rPr kumimoji="1" lang="ja-JP" altLang="en-US" smtClean="0"/>
-              <a:t>2021/12/15</a:t>
+              <a:t>2021/12/17</a:t>
             </a:fld>
             <a:endParaRPr kumimoji="1" lang="ja-JP" altLang="en-US"/>
           </a:p>
@@ -2289,7 +2296,7 @@
           <a:p>
             <a:fld id="{44ECA503-E06B-44DE-9058-6DB25F77FD9F}" type="datetimeFigureOut">
               <a:rPr kumimoji="1" lang="ja-JP" altLang="en-US" smtClean="0"/>
-              <a:t>2021/12/15</a:t>
+              <a:t>2021/12/17</a:t>
             </a:fld>
             <a:endParaRPr kumimoji="1" lang="ja-JP" altLang="en-US"/>
           </a:p>
@@ -2632,7 +2639,7 @@
           <a:p>
             <a:fld id="{44ECA503-E06B-44DE-9058-6DB25F77FD9F}" type="datetimeFigureOut">
               <a:rPr kumimoji="1" lang="ja-JP" altLang="en-US" smtClean="0"/>
-              <a:t>2021/12/15</a:t>
+              <a:t>2021/12/17</a:t>
             </a:fld>
             <a:endParaRPr kumimoji="1" lang="ja-JP" altLang="en-US"/>
           </a:p>
@@ -2920,7 +2927,7 @@
           <a:p>
             <a:fld id="{44ECA503-E06B-44DE-9058-6DB25F77FD9F}" type="datetimeFigureOut">
               <a:rPr kumimoji="1" lang="ja-JP" altLang="en-US" smtClean="0"/>
-              <a:t>2021/12/15</a:t>
+              <a:t>2021/12/17</a:t>
             </a:fld>
             <a:endParaRPr kumimoji="1" lang="ja-JP" altLang="en-US"/>
           </a:p>
@@ -3193,7 +3200,7 @@
           <a:p>
             <a:fld id="{44ECA503-E06B-44DE-9058-6DB25F77FD9F}" type="datetimeFigureOut">
               <a:rPr kumimoji="1" lang="ja-JP" altLang="en-US" smtClean="0"/>
-              <a:t>2021/12/15</a:t>
+              <a:t>2021/12/17</a:t>
             </a:fld>
             <a:endParaRPr kumimoji="1" lang="ja-JP" altLang="en-US"/>
           </a:p>
@@ -4952,6 +4959,2924 @@
 </p:sld>
 </file>
 
+<file path=ppt/slides/slide3.xml><?xml version="1.0" encoding="utf-8"?>
+<p:sld xmlns:a="http://schemas.openxmlformats.org/drawingml/2006/main" xmlns:r="http://schemas.openxmlformats.org/officeDocument/2006/relationships" xmlns:p="http://schemas.openxmlformats.org/presentationml/2006/main">
+  <p:cSld>
+    <p:spTree>
+      <p:nvGrpSpPr>
+        <p:cNvPr id="1" name=""/>
+        <p:cNvGrpSpPr/>
+        <p:nvPr/>
+      </p:nvGrpSpPr>
+      <p:grpSpPr>
+        <a:xfrm>
+          <a:off x="0" y="0"/>
+          <a:ext cx="0" cy="0"/>
+          <a:chOff x="0" y="0"/>
+          <a:chExt cx="0" cy="0"/>
+        </a:xfrm>
+      </p:grpSpPr>
+      <p:sp>
+        <p:nvSpPr>
+          <p:cNvPr id="2" name="テキスト ボックス 1">
+            <a:extLst>
+              <a:ext uri="{FF2B5EF4-FFF2-40B4-BE49-F238E27FC236}">
+                <a16:creationId xmlns:a16="http://schemas.microsoft.com/office/drawing/2014/main" id="{016CADDB-30F0-4E27-86ED-0052234CEA02}"/>
+              </a:ext>
+            </a:extLst>
+          </p:cNvPr>
+          <p:cNvSpPr txBox="1"/>
+          <p:nvPr/>
+        </p:nvSpPr>
+        <p:spPr>
+          <a:xfrm>
+            <a:off x="0" y="0"/>
+            <a:ext cx="1841500" cy="369332"/>
+          </a:xfrm>
+          <a:prstGeom prst="rect">
+            <a:avLst/>
+          </a:prstGeom>
+          <a:noFill/>
+        </p:spPr>
+        <p:txBody>
+          <a:bodyPr wrap="square" rtlCol="0">
+            <a:spAutoFit/>
+          </a:bodyPr>
+          <a:lstStyle/>
+          <a:p>
+            <a:r>
+              <a:rPr lang="en-US" altLang="ja-JP" dirty="0"/>
+              <a:t>index</a:t>
+            </a:r>
+            <a:r>
+              <a:rPr kumimoji="1" lang="en-US" altLang="ja-JP" dirty="0"/>
+              <a:t>.html</a:t>
+            </a:r>
+          </a:p>
+        </p:txBody>
+      </p:sp>
+      <p:sp>
+        <p:nvSpPr>
+          <p:cNvPr id="3" name="正方形/長方形 2">
+            <a:extLst>
+              <a:ext uri="{FF2B5EF4-FFF2-40B4-BE49-F238E27FC236}">
+                <a16:creationId xmlns:a16="http://schemas.microsoft.com/office/drawing/2014/main" id="{FC2F4FB4-B57A-40A8-8449-C1D50D0B128E}"/>
+              </a:ext>
+            </a:extLst>
+          </p:cNvPr>
+          <p:cNvSpPr/>
+          <p:nvPr/>
+        </p:nvSpPr>
+        <p:spPr>
+          <a:xfrm>
+            <a:off x="3429000" y="596900"/>
+            <a:ext cx="4445000" cy="1536700"/>
+          </a:xfrm>
+          <a:prstGeom prst="rect">
+            <a:avLst/>
+          </a:prstGeom>
+          <a:solidFill>
+            <a:schemeClr val="bg1"/>
+          </a:solidFill>
+          <a:ln w="57150">
+            <a:solidFill>
+              <a:schemeClr val="tx1"/>
+            </a:solidFill>
+          </a:ln>
+        </p:spPr>
+        <p:style>
+          <a:lnRef idx="2">
+            <a:schemeClr val="accent1">
+              <a:shade val="50000"/>
+            </a:schemeClr>
+          </a:lnRef>
+          <a:fillRef idx="1">
+            <a:schemeClr val="accent1"/>
+          </a:fillRef>
+          <a:effectRef idx="0">
+            <a:schemeClr val="accent1"/>
+          </a:effectRef>
+          <a:fontRef idx="minor">
+            <a:schemeClr val="lt1"/>
+          </a:fontRef>
+        </p:style>
+        <p:txBody>
+          <a:bodyPr rtlCol="0" anchor="ctr"/>
+          <a:lstStyle/>
+          <a:p>
+            <a:pPr algn="ctr"/>
+            <a:r>
+              <a:rPr lang="en-US" altLang="ja-JP" dirty="0">
+                <a:solidFill>
+                  <a:srgbClr val="FF0000"/>
+                </a:solidFill>
+              </a:rPr>
+              <a:t>Start button </a:t>
+            </a:r>
+            <a:endParaRPr kumimoji="1" lang="ja-JP" altLang="en-US" dirty="0">
+              <a:solidFill>
+                <a:srgbClr val="FF0000"/>
+              </a:solidFill>
+            </a:endParaRPr>
+          </a:p>
+        </p:txBody>
+      </p:sp>
+      <p:graphicFrame>
+        <p:nvGraphicFramePr>
+          <p:cNvPr id="13" name="表 13">
+            <a:extLst>
+              <a:ext uri="{FF2B5EF4-FFF2-40B4-BE49-F238E27FC236}">
+                <a16:creationId xmlns:a16="http://schemas.microsoft.com/office/drawing/2014/main" id="{4B6CC061-A144-4286-8BE3-BF3C5F6D8955}"/>
+              </a:ext>
+            </a:extLst>
+          </p:cNvPr>
+          <p:cNvGraphicFramePr>
+            <a:graphicFrameLocks noGrp="1"/>
+          </p:cNvGraphicFramePr>
+          <p:nvPr/>
+        </p:nvGraphicFramePr>
+        <p:xfrm>
+          <a:off x="609600" y="2687320"/>
+          <a:ext cx="10680699" cy="1483360"/>
+        </p:xfrm>
+        <a:graphic>
+          <a:graphicData uri="http://schemas.openxmlformats.org/drawingml/2006/table">
+            <a:tbl>
+              <a:tblPr firstRow="1" bandRow="1">
+                <a:tableStyleId>{073A0DAA-6AF3-43AB-8588-CEC1D06C72B9}</a:tableStyleId>
+              </a:tblPr>
+              <a:tblGrid>
+                <a:gridCol w="1460500">
+                  <a:extLst>
+                    <a:ext uri="{9D8B030D-6E8A-4147-A177-3AD203B41FA5}">
+                      <a16:colId xmlns:a16="http://schemas.microsoft.com/office/drawing/2014/main" val="1240788739"/>
+                    </a:ext>
+                  </a:extLst>
+                </a:gridCol>
+                <a:gridCol w="1341967">
+                  <a:extLst>
+                    <a:ext uri="{9D8B030D-6E8A-4147-A177-3AD203B41FA5}">
+                      <a16:colId xmlns:a16="http://schemas.microsoft.com/office/drawing/2014/main" val="3509691027"/>
+                    </a:ext>
+                  </a:extLst>
+                </a:gridCol>
+                <a:gridCol w="1341967">
+                  <a:extLst>
+                    <a:ext uri="{9D8B030D-6E8A-4147-A177-3AD203B41FA5}">
+                      <a16:colId xmlns:a16="http://schemas.microsoft.com/office/drawing/2014/main" val="4064342373"/>
+                    </a:ext>
+                  </a:extLst>
+                </a:gridCol>
+                <a:gridCol w="1341967">
+                  <a:extLst>
+                    <a:ext uri="{9D8B030D-6E8A-4147-A177-3AD203B41FA5}">
+                      <a16:colId xmlns:a16="http://schemas.microsoft.com/office/drawing/2014/main" val="2869465449"/>
+                    </a:ext>
+                  </a:extLst>
+                </a:gridCol>
+                <a:gridCol w="2597149">
+                  <a:extLst>
+                    <a:ext uri="{9D8B030D-6E8A-4147-A177-3AD203B41FA5}">
+                      <a16:colId xmlns:a16="http://schemas.microsoft.com/office/drawing/2014/main" val="805891050"/>
+                    </a:ext>
+                  </a:extLst>
+                </a:gridCol>
+                <a:gridCol w="2597149">
+                  <a:extLst>
+                    <a:ext uri="{9D8B030D-6E8A-4147-A177-3AD203B41FA5}">
+                      <a16:colId xmlns:a16="http://schemas.microsoft.com/office/drawing/2014/main" val="2312505939"/>
+                    </a:ext>
+                  </a:extLst>
+                </a:gridCol>
+              </a:tblGrid>
+              <a:tr h="370840">
+                <a:tc>
+                  <a:txBody>
+                    <a:bodyPr/>
+                    <a:lstStyle/>
+                    <a:p>
+                      <a:pPr algn="ctr"/>
+                      <a:r>
+                        <a:rPr kumimoji="1" lang="ja-JP" altLang="en-US" dirty="0"/>
+                        <a:t>日付</a:t>
+                      </a:r>
+                    </a:p>
+                  </a:txBody>
+                  <a:tcPr/>
+                </a:tc>
+                <a:tc>
+                  <a:txBody>
+                    <a:bodyPr/>
+                    <a:lstStyle/>
+                    <a:p>
+                      <a:pPr algn="ctr"/>
+                      <a:r>
+                        <a:rPr kumimoji="1" lang="ja-JP" altLang="en-US" dirty="0"/>
+                        <a:t>開始時間</a:t>
+                      </a:r>
+                    </a:p>
+                  </a:txBody>
+                  <a:tcPr/>
+                </a:tc>
+                <a:tc>
+                  <a:txBody>
+                    <a:bodyPr/>
+                    <a:lstStyle/>
+                    <a:p>
+                      <a:pPr algn="ctr"/>
+                      <a:r>
+                        <a:rPr kumimoji="1" lang="ja-JP" altLang="en-US" dirty="0"/>
+                        <a:t>終了時間</a:t>
+                      </a:r>
+                    </a:p>
+                  </a:txBody>
+                  <a:tcPr/>
+                </a:tc>
+                <a:tc>
+                  <a:txBody>
+                    <a:bodyPr/>
+                    <a:lstStyle/>
+                    <a:p>
+                      <a:pPr algn="ctr"/>
+                      <a:r>
+                        <a:rPr kumimoji="1" lang="ja-JP" altLang="en-US" dirty="0"/>
+                        <a:t>就業時間</a:t>
+                      </a:r>
+                    </a:p>
+                  </a:txBody>
+                  <a:tcPr/>
+                </a:tc>
+                <a:tc>
+                  <a:txBody>
+                    <a:bodyPr/>
+                    <a:lstStyle/>
+                    <a:p>
+                      <a:pPr algn="ctr"/>
+                      <a:r>
+                        <a:rPr kumimoji="1" lang="ja-JP" altLang="en-US" dirty="0"/>
+                        <a:t>仕事内容</a:t>
+                      </a:r>
+                    </a:p>
+                  </a:txBody>
+                  <a:tcPr/>
+                </a:tc>
+                <a:tc>
+                  <a:txBody>
+                    <a:bodyPr/>
+                    <a:lstStyle/>
+                    <a:p>
+                      <a:pPr algn="ctr"/>
+                      <a:r>
+                        <a:rPr kumimoji="1" lang="ja-JP" altLang="en-US" dirty="0"/>
+                        <a:t>補足</a:t>
+                      </a:r>
+                    </a:p>
+                  </a:txBody>
+                  <a:tcPr/>
+                </a:tc>
+                <a:extLst>
+                  <a:ext uri="{0D108BD9-81ED-4DB2-BD59-A6C34878D82A}">
+                    <a16:rowId xmlns:a16="http://schemas.microsoft.com/office/drawing/2014/main" val="3968347354"/>
+                  </a:ext>
+                </a:extLst>
+              </a:tr>
+              <a:tr h="370840">
+                <a:tc>
+                  <a:txBody>
+                    <a:bodyPr/>
+                    <a:lstStyle/>
+                    <a:p>
+                      <a:r>
+                        <a:rPr kumimoji="1" lang="en-US" altLang="ja-JP" dirty="0"/>
+                        <a:t>2021/10/30</a:t>
+                      </a:r>
+                      <a:endParaRPr kumimoji="1" lang="ja-JP" altLang="en-US" dirty="0"/>
+                    </a:p>
+                  </a:txBody>
+                  <a:tcPr/>
+                </a:tc>
+                <a:tc>
+                  <a:txBody>
+                    <a:bodyPr/>
+                    <a:lstStyle/>
+                    <a:p>
+                      <a:pPr algn="ctr"/>
+                      <a:r>
+                        <a:rPr kumimoji="1" lang="en-US" altLang="ja-JP" dirty="0"/>
+                        <a:t>17:39</a:t>
+                      </a:r>
+                      <a:endParaRPr kumimoji="1" lang="ja-JP" altLang="en-US" dirty="0"/>
+                    </a:p>
+                  </a:txBody>
+                  <a:tcPr/>
+                </a:tc>
+                <a:tc>
+                  <a:txBody>
+                    <a:bodyPr/>
+                    <a:lstStyle/>
+                    <a:p>
+                      <a:pPr algn="ctr"/>
+                      <a:r>
+                        <a:rPr kumimoji="1" lang="en-US" altLang="ja-JP" dirty="0"/>
+                        <a:t>18:39</a:t>
+                      </a:r>
+                      <a:endParaRPr kumimoji="1" lang="ja-JP" altLang="en-US" dirty="0"/>
+                    </a:p>
+                  </a:txBody>
+                  <a:tcPr/>
+                </a:tc>
+                <a:tc>
+                  <a:txBody>
+                    <a:bodyPr/>
+                    <a:lstStyle/>
+                    <a:p>
+                      <a:pPr algn="ctr"/>
+                      <a:r>
+                        <a:rPr kumimoji="1" lang="en-US" altLang="ja-JP" dirty="0"/>
+                        <a:t>1</a:t>
+                      </a:r>
+                      <a:r>
+                        <a:rPr kumimoji="1" lang="ja-JP" altLang="en-US" dirty="0"/>
+                        <a:t>時間</a:t>
+                      </a:r>
+                    </a:p>
+                  </a:txBody>
+                  <a:tcPr/>
+                </a:tc>
+                <a:tc>
+                  <a:txBody>
+                    <a:bodyPr/>
+                    <a:lstStyle/>
+                    <a:p>
+                      <a:pPr algn="ctr"/>
+                      <a:r>
+                        <a:rPr kumimoji="1" lang="ja-JP" altLang="en-US" dirty="0"/>
+                        <a:t>引っ越し手伝い</a:t>
+                      </a:r>
+                    </a:p>
+                  </a:txBody>
+                  <a:tcPr/>
+                </a:tc>
+                <a:tc>
+                  <a:txBody>
+                    <a:bodyPr/>
+                    <a:lstStyle/>
+                    <a:p>
+                      <a:endParaRPr kumimoji="1" lang="ja-JP" altLang="en-US" dirty="0"/>
+                    </a:p>
+                  </a:txBody>
+                  <a:tcPr/>
+                </a:tc>
+                <a:extLst>
+                  <a:ext uri="{0D108BD9-81ED-4DB2-BD59-A6C34878D82A}">
+                    <a16:rowId xmlns:a16="http://schemas.microsoft.com/office/drawing/2014/main" val="2585441498"/>
+                  </a:ext>
+                </a:extLst>
+              </a:tr>
+              <a:tr h="370840">
+                <a:tc>
+                  <a:txBody>
+                    <a:bodyPr/>
+                    <a:lstStyle/>
+                    <a:p>
+                      <a:r>
+                        <a:rPr kumimoji="1" lang="en-US" altLang="ja-JP" dirty="0"/>
+                        <a:t>2021/11/3</a:t>
+                      </a:r>
+                      <a:endParaRPr kumimoji="1" lang="ja-JP" altLang="en-US" dirty="0"/>
+                    </a:p>
+                  </a:txBody>
+                  <a:tcPr/>
+                </a:tc>
+                <a:tc>
+                  <a:txBody>
+                    <a:bodyPr/>
+                    <a:lstStyle/>
+                    <a:p>
+                      <a:pPr algn="ctr"/>
+                      <a:r>
+                        <a:rPr kumimoji="1" lang="en-US" altLang="ja-JP" dirty="0"/>
+                        <a:t>18:00</a:t>
+                      </a:r>
+                      <a:endParaRPr kumimoji="1" lang="ja-JP" altLang="en-US" dirty="0"/>
+                    </a:p>
+                  </a:txBody>
+                  <a:tcPr/>
+                </a:tc>
+                <a:tc>
+                  <a:txBody>
+                    <a:bodyPr/>
+                    <a:lstStyle/>
+                    <a:p>
+                      <a:pPr algn="ctr"/>
+                      <a:r>
+                        <a:rPr kumimoji="1" lang="en-US" altLang="ja-JP" dirty="0"/>
+                        <a:t>20:20</a:t>
+                      </a:r>
+                      <a:endParaRPr kumimoji="1" lang="ja-JP" altLang="en-US" dirty="0"/>
+                    </a:p>
+                  </a:txBody>
+                  <a:tcPr/>
+                </a:tc>
+                <a:tc>
+                  <a:txBody>
+                    <a:bodyPr/>
+                    <a:lstStyle/>
+                    <a:p>
+                      <a:pPr algn="ctr"/>
+                      <a:r>
+                        <a:rPr kumimoji="1" lang="en-US" altLang="ja-JP" dirty="0"/>
+                        <a:t>2.2</a:t>
+                      </a:r>
+                      <a:r>
+                        <a:rPr kumimoji="1" lang="ja-JP" altLang="en-US" dirty="0"/>
+                        <a:t>時間</a:t>
+                      </a:r>
+                    </a:p>
+                  </a:txBody>
+                  <a:tcPr/>
+                </a:tc>
+                <a:tc>
+                  <a:txBody>
+                    <a:bodyPr/>
+                    <a:lstStyle/>
+                    <a:p>
+                      <a:pPr algn="ctr"/>
+                      <a:r>
+                        <a:rPr kumimoji="1" lang="ja-JP" altLang="en-US" dirty="0"/>
+                        <a:t>ガーゴイル支援システ</a:t>
+                      </a:r>
+                    </a:p>
+                  </a:txBody>
+                  <a:tcPr/>
+                </a:tc>
+                <a:tc>
+                  <a:txBody>
+                    <a:bodyPr/>
+                    <a:lstStyle/>
+                    <a:p>
+                      <a:r>
+                        <a:rPr kumimoji="1" lang="en-US" altLang="ja-JP" dirty="0"/>
+                        <a:t>3</a:t>
+                      </a:r>
+                      <a:r>
+                        <a:rPr kumimoji="1" lang="ja-JP" altLang="en-US" dirty="0"/>
+                        <a:t>時間で計算してよい</a:t>
+                      </a:r>
+                    </a:p>
+                  </a:txBody>
+                  <a:tcPr/>
+                </a:tc>
+                <a:extLst>
+                  <a:ext uri="{0D108BD9-81ED-4DB2-BD59-A6C34878D82A}">
+                    <a16:rowId xmlns:a16="http://schemas.microsoft.com/office/drawing/2014/main" val="2502385376"/>
+                  </a:ext>
+                </a:extLst>
+              </a:tr>
+              <a:tr h="370840">
+                <a:tc>
+                  <a:txBody>
+                    <a:bodyPr/>
+                    <a:lstStyle/>
+                    <a:p>
+                      <a:r>
+                        <a:rPr kumimoji="1" lang="en-US" altLang="ja-JP" dirty="0"/>
+                        <a:t>2021/11/3</a:t>
+                      </a:r>
+                      <a:endParaRPr kumimoji="1" lang="ja-JP" altLang="en-US" dirty="0"/>
+                    </a:p>
+                  </a:txBody>
+                  <a:tcPr/>
+                </a:tc>
+                <a:tc>
+                  <a:txBody>
+                    <a:bodyPr/>
+                    <a:lstStyle/>
+                    <a:p>
+                      <a:pPr algn="ctr"/>
+                      <a:r>
+                        <a:rPr kumimoji="1" lang="en-US" altLang="ja-JP" dirty="0"/>
+                        <a:t>21:30</a:t>
+                      </a:r>
+                      <a:endParaRPr kumimoji="1" lang="ja-JP" altLang="en-US" dirty="0"/>
+                    </a:p>
+                  </a:txBody>
+                  <a:tcPr/>
+                </a:tc>
+                <a:tc>
+                  <a:txBody>
+                    <a:bodyPr/>
+                    <a:lstStyle/>
+                    <a:p>
+                      <a:pPr algn="ctr"/>
+                      <a:endParaRPr kumimoji="1" lang="ja-JP" altLang="en-US" dirty="0"/>
+                    </a:p>
+                  </a:txBody>
+                  <a:tcPr/>
+                </a:tc>
+                <a:tc>
+                  <a:txBody>
+                    <a:bodyPr/>
+                    <a:lstStyle/>
+                    <a:p>
+                      <a:pPr algn="ctr"/>
+                      <a:endParaRPr kumimoji="1" lang="ja-JP" altLang="en-US" dirty="0"/>
+                    </a:p>
+                  </a:txBody>
+                  <a:tcPr/>
+                </a:tc>
+                <a:tc>
+                  <a:txBody>
+                    <a:bodyPr/>
+                    <a:lstStyle/>
+                    <a:p>
+                      <a:pPr algn="ctr"/>
+                      <a:endParaRPr kumimoji="1" lang="ja-JP" altLang="en-US" dirty="0"/>
+                    </a:p>
+                  </a:txBody>
+                  <a:tcPr/>
+                </a:tc>
+                <a:tc>
+                  <a:txBody>
+                    <a:bodyPr/>
+                    <a:lstStyle/>
+                    <a:p>
+                      <a:endParaRPr kumimoji="1" lang="ja-JP" altLang="en-US" dirty="0"/>
+                    </a:p>
+                  </a:txBody>
+                  <a:tcPr/>
+                </a:tc>
+                <a:extLst>
+                  <a:ext uri="{0D108BD9-81ED-4DB2-BD59-A6C34878D82A}">
+                    <a16:rowId xmlns:a16="http://schemas.microsoft.com/office/drawing/2014/main" val="2676012584"/>
+                  </a:ext>
+                </a:extLst>
+              </a:tr>
+            </a:tbl>
+          </a:graphicData>
+        </a:graphic>
+      </p:graphicFrame>
+      <p:sp>
+        <p:nvSpPr>
+          <p:cNvPr id="14" name="吹き出し: 四角形 13">
+            <a:extLst>
+              <a:ext uri="{FF2B5EF4-FFF2-40B4-BE49-F238E27FC236}">
+                <a16:creationId xmlns:a16="http://schemas.microsoft.com/office/drawing/2014/main" id="{E185038C-5F47-42CE-9BDA-DFD4E7361C8B}"/>
+              </a:ext>
+            </a:extLst>
+          </p:cNvPr>
+          <p:cNvSpPr/>
+          <p:nvPr/>
+        </p:nvSpPr>
+        <p:spPr>
+          <a:xfrm>
+            <a:off x="8191500" y="505460"/>
+            <a:ext cx="2616200" cy="1892300"/>
+          </a:xfrm>
+          <a:prstGeom prst="wedgeRectCallout">
+            <a:avLst>
+              <a:gd name="adj1" fmla="val -46076"/>
+              <a:gd name="adj2" fmla="val 102768"/>
+            </a:avLst>
+          </a:prstGeom>
+          <a:solidFill>
+            <a:schemeClr val="bg1"/>
+          </a:solidFill>
+          <a:ln>
+            <a:solidFill>
+              <a:schemeClr val="tx1"/>
+            </a:solidFill>
+          </a:ln>
+        </p:spPr>
+        <p:style>
+          <a:lnRef idx="2">
+            <a:schemeClr val="accent1">
+              <a:shade val="50000"/>
+            </a:schemeClr>
+          </a:lnRef>
+          <a:fillRef idx="1">
+            <a:schemeClr val="accent1"/>
+          </a:fillRef>
+          <a:effectRef idx="0">
+            <a:schemeClr val="accent1"/>
+          </a:effectRef>
+          <a:fontRef idx="minor">
+            <a:schemeClr val="lt1"/>
+          </a:fontRef>
+        </p:style>
+        <p:txBody>
+          <a:bodyPr rtlCol="0" anchor="ctr"/>
+          <a:lstStyle/>
+          <a:p>
+            <a:pPr algn="ctr"/>
+            <a:r>
+              <a:rPr kumimoji="1" lang="en-US" altLang="ja-JP" dirty="0">
+                <a:solidFill>
+                  <a:schemeClr val="tx1"/>
+                </a:solidFill>
+              </a:rPr>
+              <a:t>&lt;</a:t>
+            </a:r>
+            <a:r>
+              <a:rPr kumimoji="1" lang="ja-JP" altLang="en-US" dirty="0">
+                <a:solidFill>
+                  <a:schemeClr val="tx1"/>
+                </a:solidFill>
+              </a:rPr>
+              <a:t>ホバー</a:t>
+            </a:r>
+            <a:r>
+              <a:rPr kumimoji="1" lang="en-US" altLang="ja-JP" dirty="0">
+                <a:solidFill>
+                  <a:schemeClr val="tx1"/>
+                </a:solidFill>
+              </a:rPr>
+              <a:t>&gt;</a:t>
+            </a:r>
+          </a:p>
+          <a:p>
+            <a:pPr algn="ctr"/>
+            <a:r>
+              <a:rPr kumimoji="1" lang="ja-JP" altLang="en-US" dirty="0">
+                <a:solidFill>
+                  <a:schemeClr val="tx1"/>
+                </a:solidFill>
+              </a:rPr>
+              <a:t>ガーゴイル支援システム実験</a:t>
+            </a:r>
+          </a:p>
+        </p:txBody>
+      </p:sp>
+      <p:sp>
+        <p:nvSpPr>
+          <p:cNvPr id="15" name="正方形/長方形 14">
+            <a:extLst>
+              <a:ext uri="{FF2B5EF4-FFF2-40B4-BE49-F238E27FC236}">
+                <a16:creationId xmlns:a16="http://schemas.microsoft.com/office/drawing/2014/main" id="{DDB03C9E-D633-41CA-A684-A7D114C1A6CC}"/>
+              </a:ext>
+            </a:extLst>
+          </p:cNvPr>
+          <p:cNvSpPr/>
+          <p:nvPr/>
+        </p:nvSpPr>
+        <p:spPr>
+          <a:xfrm>
+            <a:off x="609600" y="5107940"/>
+            <a:ext cx="2616200" cy="749300"/>
+          </a:xfrm>
+          <a:prstGeom prst="rect">
+            <a:avLst/>
+          </a:prstGeom>
+          <a:solidFill>
+            <a:schemeClr val="bg1"/>
+          </a:solidFill>
+          <a:ln w="38100">
+            <a:solidFill>
+              <a:schemeClr val="tx1"/>
+            </a:solidFill>
+          </a:ln>
+        </p:spPr>
+        <p:style>
+          <a:lnRef idx="2">
+            <a:schemeClr val="accent1">
+              <a:shade val="50000"/>
+            </a:schemeClr>
+          </a:lnRef>
+          <a:fillRef idx="1">
+            <a:schemeClr val="accent1"/>
+          </a:fillRef>
+          <a:effectRef idx="0">
+            <a:schemeClr val="accent1"/>
+          </a:effectRef>
+          <a:fontRef idx="minor">
+            <a:schemeClr val="lt1"/>
+          </a:fontRef>
+        </p:style>
+        <p:txBody>
+          <a:bodyPr rtlCol="0" anchor="ctr"/>
+          <a:lstStyle/>
+          <a:p>
+            <a:pPr algn="ctr"/>
+            <a:r>
+              <a:rPr kumimoji="1" lang="en-US" altLang="ja-JP" dirty="0">
+                <a:solidFill>
+                  <a:schemeClr val="tx1"/>
+                </a:solidFill>
+              </a:rPr>
+              <a:t>Excel</a:t>
+            </a:r>
+            <a:r>
+              <a:rPr lang="ja-JP" altLang="en-US" dirty="0">
+                <a:solidFill>
+                  <a:schemeClr val="tx1"/>
+                </a:solidFill>
+              </a:rPr>
+              <a:t> 出力</a:t>
+            </a:r>
+            <a:endParaRPr kumimoji="1" lang="ja-JP" altLang="en-US" dirty="0">
+              <a:solidFill>
+                <a:schemeClr val="tx1"/>
+              </a:solidFill>
+            </a:endParaRPr>
+          </a:p>
+        </p:txBody>
+      </p:sp>
+      <p:sp>
+        <p:nvSpPr>
+          <p:cNvPr id="18" name="正方形/長方形 17">
+            <a:extLst>
+              <a:ext uri="{FF2B5EF4-FFF2-40B4-BE49-F238E27FC236}">
+                <a16:creationId xmlns:a16="http://schemas.microsoft.com/office/drawing/2014/main" id="{156B427A-37EC-45BD-B3B5-FFE0169D7503}"/>
+              </a:ext>
+            </a:extLst>
+          </p:cNvPr>
+          <p:cNvSpPr/>
+          <p:nvPr/>
+        </p:nvSpPr>
+        <p:spPr>
+          <a:xfrm>
+            <a:off x="4997450" y="4403209"/>
+            <a:ext cx="1308100" cy="472202"/>
+          </a:xfrm>
+          <a:prstGeom prst="rect">
+            <a:avLst/>
+          </a:prstGeom>
+          <a:solidFill>
+            <a:schemeClr val="bg1"/>
+          </a:solidFill>
+          <a:ln w="38100">
+            <a:solidFill>
+              <a:schemeClr val="tx1"/>
+            </a:solidFill>
+          </a:ln>
+        </p:spPr>
+        <p:style>
+          <a:lnRef idx="2">
+            <a:schemeClr val="accent1">
+              <a:shade val="50000"/>
+            </a:schemeClr>
+          </a:lnRef>
+          <a:fillRef idx="1">
+            <a:schemeClr val="accent1"/>
+          </a:fillRef>
+          <a:effectRef idx="0">
+            <a:schemeClr val="accent1"/>
+          </a:effectRef>
+          <a:fontRef idx="minor">
+            <a:schemeClr val="lt1"/>
+          </a:fontRef>
+        </p:style>
+        <p:txBody>
+          <a:bodyPr rtlCol="0" anchor="ctr"/>
+          <a:lstStyle/>
+          <a:p>
+            <a:pPr algn="ctr"/>
+            <a:r>
+              <a:rPr lang="ja-JP" altLang="en-US" dirty="0">
+                <a:solidFill>
+                  <a:schemeClr val="tx1"/>
+                </a:solidFill>
+              </a:rPr>
+              <a:t>追加</a:t>
+            </a:r>
+            <a:endParaRPr kumimoji="1" lang="ja-JP" altLang="en-US" dirty="0">
+              <a:solidFill>
+                <a:schemeClr val="tx1"/>
+              </a:solidFill>
+            </a:endParaRPr>
+          </a:p>
+        </p:txBody>
+      </p:sp>
+      <p:sp>
+        <p:nvSpPr>
+          <p:cNvPr id="19" name="正方形/長方形 18">
+            <a:extLst>
+              <a:ext uri="{FF2B5EF4-FFF2-40B4-BE49-F238E27FC236}">
+                <a16:creationId xmlns:a16="http://schemas.microsoft.com/office/drawing/2014/main" id="{0823D46E-1E0D-4EC8-A0A1-71C34ACBD7FA}"/>
+              </a:ext>
+            </a:extLst>
+          </p:cNvPr>
+          <p:cNvSpPr/>
+          <p:nvPr/>
+        </p:nvSpPr>
+        <p:spPr>
+          <a:xfrm>
+            <a:off x="11334750" y="3073400"/>
+            <a:ext cx="781050" cy="355600"/>
+          </a:xfrm>
+          <a:prstGeom prst="rect">
+            <a:avLst/>
+          </a:prstGeom>
+          <a:solidFill>
+            <a:schemeClr val="bg1"/>
+          </a:solidFill>
+          <a:ln w="38100">
+            <a:solidFill>
+              <a:schemeClr val="tx1"/>
+            </a:solidFill>
+          </a:ln>
+        </p:spPr>
+        <p:style>
+          <a:lnRef idx="2">
+            <a:schemeClr val="accent1">
+              <a:shade val="50000"/>
+            </a:schemeClr>
+          </a:lnRef>
+          <a:fillRef idx="1">
+            <a:schemeClr val="accent1"/>
+          </a:fillRef>
+          <a:effectRef idx="0">
+            <a:schemeClr val="accent1"/>
+          </a:effectRef>
+          <a:fontRef idx="minor">
+            <a:schemeClr val="lt1"/>
+          </a:fontRef>
+        </p:style>
+        <p:txBody>
+          <a:bodyPr rtlCol="0" anchor="ctr"/>
+          <a:lstStyle/>
+          <a:p>
+            <a:pPr algn="ctr"/>
+            <a:r>
+              <a:rPr kumimoji="1" lang="ja-JP" altLang="en-US" dirty="0">
+                <a:solidFill>
+                  <a:schemeClr val="tx1"/>
+                </a:solidFill>
+              </a:rPr>
+              <a:t>編集</a:t>
+            </a:r>
+          </a:p>
+        </p:txBody>
+      </p:sp>
+      <p:sp>
+        <p:nvSpPr>
+          <p:cNvPr id="20" name="正方形/長方形 19">
+            <a:extLst>
+              <a:ext uri="{FF2B5EF4-FFF2-40B4-BE49-F238E27FC236}">
+                <a16:creationId xmlns:a16="http://schemas.microsoft.com/office/drawing/2014/main" id="{F602BBF8-304A-4869-9C84-B7B960444F25}"/>
+              </a:ext>
+            </a:extLst>
+          </p:cNvPr>
+          <p:cNvSpPr/>
+          <p:nvPr/>
+        </p:nvSpPr>
+        <p:spPr>
+          <a:xfrm>
+            <a:off x="11334750" y="3444240"/>
+            <a:ext cx="781050" cy="355600"/>
+          </a:xfrm>
+          <a:prstGeom prst="rect">
+            <a:avLst/>
+          </a:prstGeom>
+          <a:solidFill>
+            <a:schemeClr val="bg1"/>
+          </a:solidFill>
+          <a:ln w="38100">
+            <a:solidFill>
+              <a:schemeClr val="tx1"/>
+            </a:solidFill>
+          </a:ln>
+        </p:spPr>
+        <p:style>
+          <a:lnRef idx="2">
+            <a:schemeClr val="accent1">
+              <a:shade val="50000"/>
+            </a:schemeClr>
+          </a:lnRef>
+          <a:fillRef idx="1">
+            <a:schemeClr val="accent1"/>
+          </a:fillRef>
+          <a:effectRef idx="0">
+            <a:schemeClr val="accent1"/>
+          </a:effectRef>
+          <a:fontRef idx="minor">
+            <a:schemeClr val="lt1"/>
+          </a:fontRef>
+        </p:style>
+        <p:txBody>
+          <a:bodyPr rtlCol="0" anchor="ctr"/>
+          <a:lstStyle/>
+          <a:p>
+            <a:pPr algn="ctr"/>
+            <a:r>
+              <a:rPr kumimoji="1" lang="ja-JP" altLang="en-US" dirty="0">
+                <a:solidFill>
+                  <a:schemeClr val="tx1"/>
+                </a:solidFill>
+              </a:rPr>
+              <a:t>編集</a:t>
+            </a:r>
+          </a:p>
+        </p:txBody>
+      </p:sp>
+      <p:sp>
+        <p:nvSpPr>
+          <p:cNvPr id="21" name="正方形/長方形 20">
+            <a:extLst>
+              <a:ext uri="{FF2B5EF4-FFF2-40B4-BE49-F238E27FC236}">
+                <a16:creationId xmlns:a16="http://schemas.microsoft.com/office/drawing/2014/main" id="{D815E783-DD97-4E41-8B7A-BF7F4DE3F7FD}"/>
+              </a:ext>
+            </a:extLst>
+          </p:cNvPr>
+          <p:cNvSpPr/>
+          <p:nvPr/>
+        </p:nvSpPr>
+        <p:spPr>
+          <a:xfrm>
+            <a:off x="11334750" y="3815080"/>
+            <a:ext cx="781050" cy="355600"/>
+          </a:xfrm>
+          <a:prstGeom prst="rect">
+            <a:avLst/>
+          </a:prstGeom>
+          <a:solidFill>
+            <a:schemeClr val="bg1"/>
+          </a:solidFill>
+          <a:ln w="38100">
+            <a:solidFill>
+              <a:schemeClr val="tx1"/>
+            </a:solidFill>
+          </a:ln>
+        </p:spPr>
+        <p:style>
+          <a:lnRef idx="2">
+            <a:schemeClr val="accent1">
+              <a:shade val="50000"/>
+            </a:schemeClr>
+          </a:lnRef>
+          <a:fillRef idx="1">
+            <a:schemeClr val="accent1"/>
+          </a:fillRef>
+          <a:effectRef idx="0">
+            <a:schemeClr val="accent1"/>
+          </a:effectRef>
+          <a:fontRef idx="minor">
+            <a:schemeClr val="lt1"/>
+          </a:fontRef>
+        </p:style>
+        <p:txBody>
+          <a:bodyPr rtlCol="0" anchor="ctr"/>
+          <a:lstStyle/>
+          <a:p>
+            <a:pPr algn="ctr"/>
+            <a:r>
+              <a:rPr kumimoji="1" lang="ja-JP" altLang="en-US" dirty="0">
+                <a:solidFill>
+                  <a:schemeClr val="tx1"/>
+                </a:solidFill>
+              </a:rPr>
+              <a:t>編集</a:t>
+            </a:r>
+          </a:p>
+        </p:txBody>
+      </p:sp>
+      <p:sp>
+        <p:nvSpPr>
+          <p:cNvPr id="11" name="正方形/長方形 10">
+            <a:extLst>
+              <a:ext uri="{FF2B5EF4-FFF2-40B4-BE49-F238E27FC236}">
+                <a16:creationId xmlns:a16="http://schemas.microsoft.com/office/drawing/2014/main" id="{5A9C3648-2DAA-4864-BF88-2DD5FBBA200E}"/>
+              </a:ext>
+            </a:extLst>
+          </p:cNvPr>
+          <p:cNvSpPr/>
+          <p:nvPr/>
+        </p:nvSpPr>
+        <p:spPr>
+          <a:xfrm>
+            <a:off x="1860550" y="829428"/>
+            <a:ext cx="8655050" cy="4910971"/>
+          </a:xfrm>
+          <a:prstGeom prst="rect">
+            <a:avLst/>
+          </a:prstGeom>
+          <a:solidFill>
+            <a:schemeClr val="bg1"/>
+          </a:solidFill>
+          <a:ln w="57150">
+            <a:solidFill>
+              <a:schemeClr val="tx1"/>
+            </a:solidFill>
+          </a:ln>
+        </p:spPr>
+        <p:style>
+          <a:lnRef idx="2">
+            <a:schemeClr val="accent1">
+              <a:shade val="50000"/>
+            </a:schemeClr>
+          </a:lnRef>
+          <a:fillRef idx="1">
+            <a:schemeClr val="accent1"/>
+          </a:fillRef>
+          <a:effectRef idx="0">
+            <a:schemeClr val="accent1"/>
+          </a:effectRef>
+          <a:fontRef idx="minor">
+            <a:schemeClr val="lt1"/>
+          </a:fontRef>
+        </p:style>
+        <p:txBody>
+          <a:bodyPr rtlCol="0" anchor="ctr"/>
+          <a:lstStyle/>
+          <a:p>
+            <a:pPr algn="ctr"/>
+            <a:endParaRPr kumimoji="1" lang="ja-JP" altLang="en-US" dirty="0">
+              <a:solidFill>
+                <a:srgbClr val="FF0000"/>
+              </a:solidFill>
+            </a:endParaRPr>
+          </a:p>
+        </p:txBody>
+      </p:sp>
+      <p:sp>
+        <p:nvSpPr>
+          <p:cNvPr id="4" name="テキスト ボックス 3">
+            <a:extLst>
+              <a:ext uri="{FF2B5EF4-FFF2-40B4-BE49-F238E27FC236}">
+                <a16:creationId xmlns:a16="http://schemas.microsoft.com/office/drawing/2014/main" id="{95D64E2C-0E01-4D85-8381-87E1577735AE}"/>
+              </a:ext>
+            </a:extLst>
+          </p:cNvPr>
+          <p:cNvSpPr txBox="1"/>
+          <p:nvPr/>
+        </p:nvSpPr>
+        <p:spPr>
+          <a:xfrm>
+            <a:off x="1860550" y="829428"/>
+            <a:ext cx="2178050" cy="369332"/>
+          </a:xfrm>
+          <a:prstGeom prst="rect">
+            <a:avLst/>
+          </a:prstGeom>
+          <a:noFill/>
+        </p:spPr>
+        <p:txBody>
+          <a:bodyPr wrap="square" rtlCol="0">
+            <a:spAutoFit/>
+          </a:bodyPr>
+          <a:lstStyle/>
+          <a:p>
+            <a:r>
+              <a:rPr kumimoji="1" lang="ja-JP" altLang="en-US" dirty="0"/>
+              <a:t>ポップアップ</a:t>
+            </a:r>
+          </a:p>
+        </p:txBody>
+      </p:sp>
+      <p:sp>
+        <p:nvSpPr>
+          <p:cNvPr id="5" name="テキスト ボックス 4">
+            <a:extLst>
+              <a:ext uri="{FF2B5EF4-FFF2-40B4-BE49-F238E27FC236}">
+                <a16:creationId xmlns:a16="http://schemas.microsoft.com/office/drawing/2014/main" id="{4110E03E-AC3D-48A9-B1CD-2AC2D8D86165}"/>
+              </a:ext>
+            </a:extLst>
+          </p:cNvPr>
+          <p:cNvSpPr txBox="1"/>
+          <p:nvPr/>
+        </p:nvSpPr>
+        <p:spPr>
+          <a:xfrm>
+            <a:off x="3011488" y="1694848"/>
+            <a:ext cx="2178050" cy="369332"/>
+          </a:xfrm>
+          <a:prstGeom prst="rect">
+            <a:avLst/>
+          </a:prstGeom>
+          <a:noFill/>
+        </p:spPr>
+        <p:txBody>
+          <a:bodyPr wrap="square" rtlCol="0">
+            <a:spAutoFit/>
+          </a:bodyPr>
+          <a:lstStyle/>
+          <a:p>
+            <a:r>
+              <a:rPr kumimoji="1" lang="ja-JP" altLang="en-US" dirty="0"/>
+              <a:t>開始時間</a:t>
+            </a:r>
+          </a:p>
+        </p:txBody>
+      </p:sp>
+      <p:sp>
+        <p:nvSpPr>
+          <p:cNvPr id="16" name="テキスト ボックス 15">
+            <a:extLst>
+              <a:ext uri="{FF2B5EF4-FFF2-40B4-BE49-F238E27FC236}">
+                <a16:creationId xmlns:a16="http://schemas.microsoft.com/office/drawing/2014/main" id="{5503D2A4-BE7B-4AC3-B51C-E5357A7312A6}"/>
+              </a:ext>
+            </a:extLst>
+          </p:cNvPr>
+          <p:cNvSpPr txBox="1"/>
+          <p:nvPr/>
+        </p:nvSpPr>
+        <p:spPr>
+          <a:xfrm>
+            <a:off x="5108575" y="1682924"/>
+            <a:ext cx="2178050" cy="369332"/>
+          </a:xfrm>
+          <a:prstGeom prst="rect">
+            <a:avLst/>
+          </a:prstGeom>
+          <a:noFill/>
+        </p:spPr>
+        <p:txBody>
+          <a:bodyPr wrap="square" rtlCol="0">
+            <a:spAutoFit/>
+          </a:bodyPr>
+          <a:lstStyle/>
+          <a:p>
+            <a:r>
+              <a:rPr kumimoji="1" lang="ja-JP" altLang="en-US" dirty="0"/>
+              <a:t>終了時間</a:t>
+            </a:r>
+          </a:p>
+        </p:txBody>
+      </p:sp>
+      <p:sp>
+        <p:nvSpPr>
+          <p:cNvPr id="24" name="テキスト ボックス 23">
+            <a:extLst>
+              <a:ext uri="{FF2B5EF4-FFF2-40B4-BE49-F238E27FC236}">
+                <a16:creationId xmlns:a16="http://schemas.microsoft.com/office/drawing/2014/main" id="{C22E9474-7CC6-41D3-8E62-0353EB14FA29}"/>
+              </a:ext>
+            </a:extLst>
+          </p:cNvPr>
+          <p:cNvSpPr txBox="1"/>
+          <p:nvPr/>
+        </p:nvSpPr>
+        <p:spPr>
+          <a:xfrm>
+            <a:off x="4314825" y="2052256"/>
+            <a:ext cx="574675" cy="369332"/>
+          </a:xfrm>
+          <a:prstGeom prst="rect">
+            <a:avLst/>
+          </a:prstGeom>
+          <a:noFill/>
+        </p:spPr>
+        <p:txBody>
+          <a:bodyPr wrap="square" rtlCol="0">
+            <a:spAutoFit/>
+          </a:bodyPr>
+          <a:lstStyle/>
+          <a:p>
+            <a:r>
+              <a:rPr kumimoji="1" lang="en-US" altLang="ja-JP" dirty="0"/>
+              <a:t>~</a:t>
+            </a:r>
+            <a:endParaRPr kumimoji="1" lang="ja-JP" altLang="en-US" dirty="0"/>
+          </a:p>
+        </p:txBody>
+      </p:sp>
+      <p:sp>
+        <p:nvSpPr>
+          <p:cNvPr id="25" name="テキスト ボックス 24">
+            <a:extLst>
+              <a:ext uri="{FF2B5EF4-FFF2-40B4-BE49-F238E27FC236}">
+                <a16:creationId xmlns:a16="http://schemas.microsoft.com/office/drawing/2014/main" id="{9CDD1E83-C620-44CA-8AC4-2C130F88AC66}"/>
+              </a:ext>
+            </a:extLst>
+          </p:cNvPr>
+          <p:cNvSpPr txBox="1"/>
+          <p:nvPr/>
+        </p:nvSpPr>
+        <p:spPr>
+          <a:xfrm>
+            <a:off x="7791450" y="1696645"/>
+            <a:ext cx="2178050" cy="369332"/>
+          </a:xfrm>
+          <a:prstGeom prst="rect">
+            <a:avLst/>
+          </a:prstGeom>
+          <a:noFill/>
+        </p:spPr>
+        <p:txBody>
+          <a:bodyPr wrap="square" rtlCol="0">
+            <a:spAutoFit/>
+          </a:bodyPr>
+          <a:lstStyle/>
+          <a:p>
+            <a:r>
+              <a:rPr lang="ja-JP" altLang="en-US" dirty="0"/>
+              <a:t>就業</a:t>
+            </a:r>
+            <a:r>
+              <a:rPr kumimoji="1" lang="ja-JP" altLang="en-US" dirty="0"/>
+              <a:t>時間</a:t>
+            </a:r>
+          </a:p>
+        </p:txBody>
+      </p:sp>
+      <p:sp>
+        <p:nvSpPr>
+          <p:cNvPr id="26" name="テキスト ボックス 25">
+            <a:extLst>
+              <a:ext uri="{FF2B5EF4-FFF2-40B4-BE49-F238E27FC236}">
+                <a16:creationId xmlns:a16="http://schemas.microsoft.com/office/drawing/2014/main" id="{868CA520-D00D-4C21-BAFA-E542252A292E}"/>
+              </a:ext>
+            </a:extLst>
+          </p:cNvPr>
+          <p:cNvSpPr txBox="1"/>
+          <p:nvPr/>
+        </p:nvSpPr>
+        <p:spPr>
+          <a:xfrm>
+            <a:off x="7791450" y="2078141"/>
+            <a:ext cx="2178050" cy="369332"/>
+          </a:xfrm>
+          <a:prstGeom prst="rect">
+            <a:avLst/>
+          </a:prstGeom>
+          <a:noFill/>
+        </p:spPr>
+        <p:txBody>
+          <a:bodyPr wrap="square" rtlCol="0">
+            <a:spAutoFit/>
+          </a:bodyPr>
+          <a:lstStyle/>
+          <a:p>
+            <a:r>
+              <a:rPr kumimoji="1" lang="en-US" altLang="ja-JP" dirty="0"/>
+              <a:t>1</a:t>
+            </a:r>
+            <a:r>
+              <a:rPr kumimoji="1" lang="ja-JP" altLang="en-US" dirty="0"/>
+              <a:t>時間</a:t>
+            </a:r>
+          </a:p>
+        </p:txBody>
+      </p:sp>
+      <p:sp>
+        <p:nvSpPr>
+          <p:cNvPr id="27" name="テキスト ボックス 26">
+            <a:extLst>
+              <a:ext uri="{FF2B5EF4-FFF2-40B4-BE49-F238E27FC236}">
+                <a16:creationId xmlns:a16="http://schemas.microsoft.com/office/drawing/2014/main" id="{5F26A1BF-8E55-41BD-932F-85F5389B8EAE}"/>
+              </a:ext>
+            </a:extLst>
+          </p:cNvPr>
+          <p:cNvSpPr txBox="1"/>
+          <p:nvPr/>
+        </p:nvSpPr>
+        <p:spPr>
+          <a:xfrm>
+            <a:off x="3011488" y="2860062"/>
+            <a:ext cx="2178050" cy="369332"/>
+          </a:xfrm>
+          <a:prstGeom prst="rect">
+            <a:avLst/>
+          </a:prstGeom>
+          <a:noFill/>
+        </p:spPr>
+        <p:txBody>
+          <a:bodyPr wrap="square" rtlCol="0">
+            <a:spAutoFit/>
+          </a:bodyPr>
+          <a:lstStyle/>
+          <a:p>
+            <a:r>
+              <a:rPr kumimoji="1" lang="ja-JP" altLang="en-US" dirty="0"/>
+              <a:t>仕事内容</a:t>
+            </a:r>
+          </a:p>
+        </p:txBody>
+      </p:sp>
+      <p:sp>
+        <p:nvSpPr>
+          <p:cNvPr id="28" name="テキスト ボックス 27">
+            <a:extLst>
+              <a:ext uri="{FF2B5EF4-FFF2-40B4-BE49-F238E27FC236}">
+                <a16:creationId xmlns:a16="http://schemas.microsoft.com/office/drawing/2014/main" id="{A608E840-F1A6-4A3B-9AEA-D18012F4AEE0}"/>
+              </a:ext>
+            </a:extLst>
+          </p:cNvPr>
+          <p:cNvSpPr txBox="1"/>
+          <p:nvPr/>
+        </p:nvSpPr>
+        <p:spPr>
+          <a:xfrm>
+            <a:off x="3011488" y="3974090"/>
+            <a:ext cx="2178050" cy="369332"/>
+          </a:xfrm>
+          <a:prstGeom prst="rect">
+            <a:avLst/>
+          </a:prstGeom>
+          <a:noFill/>
+        </p:spPr>
+        <p:txBody>
+          <a:bodyPr wrap="square" rtlCol="0">
+            <a:spAutoFit/>
+          </a:bodyPr>
+          <a:lstStyle/>
+          <a:p>
+            <a:r>
+              <a:rPr kumimoji="1" lang="ja-JP" altLang="en-US" dirty="0"/>
+              <a:t>補足</a:t>
+            </a:r>
+          </a:p>
+        </p:txBody>
+      </p:sp>
+      <p:sp>
+        <p:nvSpPr>
+          <p:cNvPr id="30" name="正方形/長方形 29">
+            <a:extLst>
+              <a:ext uri="{FF2B5EF4-FFF2-40B4-BE49-F238E27FC236}">
+                <a16:creationId xmlns:a16="http://schemas.microsoft.com/office/drawing/2014/main" id="{2A258E49-628E-4464-80F1-4EB3D47E160C}"/>
+              </a:ext>
+            </a:extLst>
+          </p:cNvPr>
+          <p:cNvSpPr/>
+          <p:nvPr/>
+        </p:nvSpPr>
+        <p:spPr>
+          <a:xfrm>
+            <a:off x="3076575" y="3366954"/>
+            <a:ext cx="5803900" cy="413977"/>
+          </a:xfrm>
+          <a:prstGeom prst="rect">
+            <a:avLst/>
+          </a:prstGeom>
+          <a:solidFill>
+            <a:schemeClr val="bg1"/>
+          </a:solidFill>
+          <a:ln w="38100">
+            <a:solidFill>
+              <a:schemeClr val="tx1"/>
+            </a:solidFill>
+          </a:ln>
+        </p:spPr>
+        <p:style>
+          <a:lnRef idx="2">
+            <a:schemeClr val="accent1">
+              <a:shade val="50000"/>
+            </a:schemeClr>
+          </a:lnRef>
+          <a:fillRef idx="1">
+            <a:schemeClr val="accent1"/>
+          </a:fillRef>
+          <a:effectRef idx="0">
+            <a:schemeClr val="accent1"/>
+          </a:effectRef>
+          <a:fontRef idx="minor">
+            <a:schemeClr val="lt1"/>
+          </a:fontRef>
+        </p:style>
+        <p:txBody>
+          <a:bodyPr rtlCol="0" anchor="ctr"/>
+          <a:lstStyle/>
+          <a:p>
+            <a:r>
+              <a:rPr kumimoji="1" lang="ja-JP" altLang="en-US" dirty="0">
+                <a:solidFill>
+                  <a:schemeClr val="bg2">
+                    <a:lumMod val="75000"/>
+                  </a:schemeClr>
+                </a:solidFill>
+              </a:rPr>
+              <a:t>入力して下さい</a:t>
+            </a:r>
+          </a:p>
+        </p:txBody>
+      </p:sp>
+      <p:sp>
+        <p:nvSpPr>
+          <p:cNvPr id="31" name="正方形/長方形 30">
+            <a:extLst>
+              <a:ext uri="{FF2B5EF4-FFF2-40B4-BE49-F238E27FC236}">
+                <a16:creationId xmlns:a16="http://schemas.microsoft.com/office/drawing/2014/main" id="{C136E93F-7C5B-482C-BF07-2A87DE8B29BE}"/>
+              </a:ext>
+            </a:extLst>
+          </p:cNvPr>
+          <p:cNvSpPr/>
+          <p:nvPr/>
+        </p:nvSpPr>
+        <p:spPr>
+          <a:xfrm>
+            <a:off x="3047999" y="4535755"/>
+            <a:ext cx="5803900" cy="413977"/>
+          </a:xfrm>
+          <a:prstGeom prst="rect">
+            <a:avLst/>
+          </a:prstGeom>
+          <a:solidFill>
+            <a:schemeClr val="bg1"/>
+          </a:solidFill>
+          <a:ln w="38100">
+            <a:solidFill>
+              <a:schemeClr val="tx1"/>
+            </a:solidFill>
+          </a:ln>
+        </p:spPr>
+        <p:style>
+          <a:lnRef idx="2">
+            <a:schemeClr val="accent1">
+              <a:shade val="50000"/>
+            </a:schemeClr>
+          </a:lnRef>
+          <a:fillRef idx="1">
+            <a:schemeClr val="accent1"/>
+          </a:fillRef>
+          <a:effectRef idx="0">
+            <a:schemeClr val="accent1"/>
+          </a:effectRef>
+          <a:fontRef idx="minor">
+            <a:schemeClr val="lt1"/>
+          </a:fontRef>
+        </p:style>
+        <p:txBody>
+          <a:bodyPr rtlCol="0" anchor="ctr"/>
+          <a:lstStyle/>
+          <a:p>
+            <a:r>
+              <a:rPr kumimoji="1" lang="ja-JP" altLang="en-US" dirty="0">
+                <a:solidFill>
+                  <a:schemeClr val="bg2">
+                    <a:lumMod val="75000"/>
+                  </a:schemeClr>
+                </a:solidFill>
+              </a:rPr>
+              <a:t>入力して下さい</a:t>
+            </a:r>
+          </a:p>
+        </p:txBody>
+      </p:sp>
+      <p:sp>
+        <p:nvSpPr>
+          <p:cNvPr id="32" name="正方形/長方形 31">
+            <a:extLst>
+              <a:ext uri="{FF2B5EF4-FFF2-40B4-BE49-F238E27FC236}">
+                <a16:creationId xmlns:a16="http://schemas.microsoft.com/office/drawing/2014/main" id="{F8F931B4-C161-4759-BE3D-2B8AA14AA645}"/>
+              </a:ext>
+            </a:extLst>
+          </p:cNvPr>
+          <p:cNvSpPr/>
+          <p:nvPr/>
+        </p:nvSpPr>
+        <p:spPr>
+          <a:xfrm>
+            <a:off x="8718550" y="5138077"/>
+            <a:ext cx="1295400" cy="413977"/>
+          </a:xfrm>
+          <a:prstGeom prst="rect">
+            <a:avLst/>
+          </a:prstGeom>
+          <a:solidFill>
+            <a:schemeClr val="bg1"/>
+          </a:solidFill>
+          <a:ln w="38100">
+            <a:solidFill>
+              <a:schemeClr val="tx1"/>
+            </a:solidFill>
+          </a:ln>
+        </p:spPr>
+        <p:style>
+          <a:lnRef idx="2">
+            <a:schemeClr val="accent1">
+              <a:shade val="50000"/>
+            </a:schemeClr>
+          </a:lnRef>
+          <a:fillRef idx="1">
+            <a:schemeClr val="accent1"/>
+          </a:fillRef>
+          <a:effectRef idx="0">
+            <a:schemeClr val="accent1"/>
+          </a:effectRef>
+          <a:fontRef idx="minor">
+            <a:schemeClr val="lt1"/>
+          </a:fontRef>
+        </p:style>
+        <p:txBody>
+          <a:bodyPr rtlCol="0" anchor="ctr"/>
+          <a:lstStyle/>
+          <a:p>
+            <a:pPr algn="ctr"/>
+            <a:r>
+              <a:rPr kumimoji="1" lang="ja-JP" altLang="en-US" dirty="0">
+                <a:solidFill>
+                  <a:schemeClr val="tx1"/>
+                </a:solidFill>
+              </a:rPr>
+              <a:t>完了</a:t>
+            </a:r>
+          </a:p>
+        </p:txBody>
+      </p:sp>
+      <p:sp>
+        <p:nvSpPr>
+          <p:cNvPr id="33" name="テキスト ボックス 32">
+            <a:extLst>
+              <a:ext uri="{FF2B5EF4-FFF2-40B4-BE49-F238E27FC236}">
+                <a16:creationId xmlns:a16="http://schemas.microsoft.com/office/drawing/2014/main" id="{2E151053-A94F-42FD-83B3-ADF24E9784DC}"/>
+              </a:ext>
+            </a:extLst>
+          </p:cNvPr>
+          <p:cNvSpPr txBox="1"/>
+          <p:nvPr/>
+        </p:nvSpPr>
+        <p:spPr>
+          <a:xfrm>
+            <a:off x="4889500" y="1048656"/>
+            <a:ext cx="2178050" cy="369332"/>
+          </a:xfrm>
+          <a:prstGeom prst="rect">
+            <a:avLst/>
+          </a:prstGeom>
+          <a:noFill/>
+        </p:spPr>
+        <p:txBody>
+          <a:bodyPr wrap="square" rtlCol="0">
+            <a:spAutoFit/>
+          </a:bodyPr>
+          <a:lstStyle/>
+          <a:p>
+            <a:r>
+              <a:rPr kumimoji="1" lang="ja-JP" altLang="en-US" dirty="0"/>
+              <a:t>日付：</a:t>
+            </a:r>
+            <a:r>
+              <a:rPr kumimoji="1" lang="en-US" altLang="ja-JP" dirty="0"/>
+              <a:t>2021/12/13</a:t>
+            </a:r>
+            <a:endParaRPr kumimoji="1" lang="ja-JP" altLang="en-US" dirty="0"/>
+          </a:p>
+        </p:txBody>
+      </p:sp>
+      <p:sp>
+        <p:nvSpPr>
+          <p:cNvPr id="34" name="正方形/長方形 33">
+            <a:extLst>
+              <a:ext uri="{FF2B5EF4-FFF2-40B4-BE49-F238E27FC236}">
+                <a16:creationId xmlns:a16="http://schemas.microsoft.com/office/drawing/2014/main" id="{6B33C3A3-306D-4DDF-9826-814D4AA8C6CA}"/>
+              </a:ext>
+            </a:extLst>
+          </p:cNvPr>
+          <p:cNvSpPr/>
+          <p:nvPr/>
+        </p:nvSpPr>
+        <p:spPr>
+          <a:xfrm>
+            <a:off x="2860675" y="2069395"/>
+            <a:ext cx="1365250" cy="369332"/>
+          </a:xfrm>
+          <a:prstGeom prst="rect">
+            <a:avLst/>
+          </a:prstGeom>
+          <a:solidFill>
+            <a:schemeClr val="bg1"/>
+          </a:solidFill>
+          <a:ln w="38100">
+            <a:solidFill>
+              <a:schemeClr val="tx1"/>
+            </a:solidFill>
+          </a:ln>
+        </p:spPr>
+        <p:style>
+          <a:lnRef idx="2">
+            <a:schemeClr val="accent1">
+              <a:shade val="50000"/>
+            </a:schemeClr>
+          </a:lnRef>
+          <a:fillRef idx="1">
+            <a:schemeClr val="accent1"/>
+          </a:fillRef>
+          <a:effectRef idx="0">
+            <a:schemeClr val="accent1"/>
+          </a:effectRef>
+          <a:fontRef idx="minor">
+            <a:schemeClr val="lt1"/>
+          </a:fontRef>
+        </p:style>
+        <p:txBody>
+          <a:bodyPr rtlCol="0" anchor="ctr"/>
+          <a:lstStyle/>
+          <a:p>
+            <a:pPr algn="ctr"/>
+            <a:r>
+              <a:rPr kumimoji="1" lang="en-US" altLang="ja-JP" dirty="0">
+                <a:solidFill>
+                  <a:schemeClr val="tx1"/>
+                </a:solidFill>
+              </a:rPr>
+              <a:t>20:40</a:t>
+            </a:r>
+          </a:p>
+        </p:txBody>
+      </p:sp>
+      <p:sp>
+        <p:nvSpPr>
+          <p:cNvPr id="35" name="正方形/長方形 34">
+            <a:extLst>
+              <a:ext uri="{FF2B5EF4-FFF2-40B4-BE49-F238E27FC236}">
+                <a16:creationId xmlns:a16="http://schemas.microsoft.com/office/drawing/2014/main" id="{B55E5A8F-1FCE-4986-BCC3-B40B33A326C6}"/>
+              </a:ext>
+            </a:extLst>
+          </p:cNvPr>
+          <p:cNvSpPr/>
+          <p:nvPr/>
+        </p:nvSpPr>
+        <p:spPr>
+          <a:xfrm>
+            <a:off x="4975226" y="2046929"/>
+            <a:ext cx="1365250" cy="369332"/>
+          </a:xfrm>
+          <a:prstGeom prst="rect">
+            <a:avLst/>
+          </a:prstGeom>
+          <a:solidFill>
+            <a:schemeClr val="bg1"/>
+          </a:solidFill>
+          <a:ln w="38100">
+            <a:solidFill>
+              <a:schemeClr val="tx1"/>
+            </a:solidFill>
+          </a:ln>
+        </p:spPr>
+        <p:style>
+          <a:lnRef idx="2">
+            <a:schemeClr val="accent1">
+              <a:shade val="50000"/>
+            </a:schemeClr>
+          </a:lnRef>
+          <a:fillRef idx="1">
+            <a:schemeClr val="accent1"/>
+          </a:fillRef>
+          <a:effectRef idx="0">
+            <a:schemeClr val="accent1"/>
+          </a:effectRef>
+          <a:fontRef idx="minor">
+            <a:schemeClr val="lt1"/>
+          </a:fontRef>
+        </p:style>
+        <p:txBody>
+          <a:bodyPr rtlCol="0" anchor="ctr"/>
+          <a:lstStyle/>
+          <a:p>
+            <a:pPr algn="ctr"/>
+            <a:r>
+              <a:rPr kumimoji="1" lang="en-US" altLang="ja-JP" dirty="0">
+                <a:solidFill>
+                  <a:schemeClr val="tx1"/>
+                </a:solidFill>
+              </a:rPr>
+              <a:t>21:40</a:t>
+            </a:r>
+          </a:p>
+        </p:txBody>
+      </p:sp>
+    </p:spTree>
+    <p:extLst>
+      <p:ext uri="{BB962C8B-B14F-4D97-AF65-F5344CB8AC3E}">
+        <p14:creationId xmlns:p14="http://schemas.microsoft.com/office/powerpoint/2010/main" val="900573833"/>
+      </p:ext>
+    </p:extLst>
+  </p:cSld>
+  <p:clrMapOvr>
+    <a:masterClrMapping/>
+  </p:clrMapOvr>
+</p:sld>
+</file>
+
+<file path=ppt/slides/slide4.xml><?xml version="1.0" encoding="utf-8"?>
+<p:sld xmlns:a="http://schemas.openxmlformats.org/drawingml/2006/main" xmlns:r="http://schemas.openxmlformats.org/officeDocument/2006/relationships" xmlns:p="http://schemas.openxmlformats.org/presentationml/2006/main">
+  <p:cSld>
+    <p:spTree>
+      <p:nvGrpSpPr>
+        <p:cNvPr id="1" name=""/>
+        <p:cNvGrpSpPr/>
+        <p:nvPr/>
+      </p:nvGrpSpPr>
+      <p:grpSpPr>
+        <a:xfrm>
+          <a:off x="0" y="0"/>
+          <a:ext cx="0" cy="0"/>
+          <a:chOff x="0" y="0"/>
+          <a:chExt cx="0" cy="0"/>
+        </a:xfrm>
+      </p:grpSpPr>
+      <p:sp>
+        <p:nvSpPr>
+          <p:cNvPr id="2" name="テキスト ボックス 1">
+            <a:extLst>
+              <a:ext uri="{FF2B5EF4-FFF2-40B4-BE49-F238E27FC236}">
+                <a16:creationId xmlns:a16="http://schemas.microsoft.com/office/drawing/2014/main" id="{016CADDB-30F0-4E27-86ED-0052234CEA02}"/>
+              </a:ext>
+            </a:extLst>
+          </p:cNvPr>
+          <p:cNvSpPr txBox="1"/>
+          <p:nvPr/>
+        </p:nvSpPr>
+        <p:spPr>
+          <a:xfrm>
+            <a:off x="0" y="0"/>
+            <a:ext cx="1841500" cy="369332"/>
+          </a:xfrm>
+          <a:prstGeom prst="rect">
+            <a:avLst/>
+          </a:prstGeom>
+          <a:noFill/>
+        </p:spPr>
+        <p:txBody>
+          <a:bodyPr wrap="square" rtlCol="0">
+            <a:spAutoFit/>
+          </a:bodyPr>
+          <a:lstStyle/>
+          <a:p>
+            <a:r>
+              <a:rPr lang="en-US" altLang="ja-JP" dirty="0"/>
+              <a:t>index</a:t>
+            </a:r>
+            <a:r>
+              <a:rPr kumimoji="1" lang="en-US" altLang="ja-JP" dirty="0"/>
+              <a:t>.html</a:t>
+            </a:r>
+          </a:p>
+        </p:txBody>
+      </p:sp>
+      <p:sp>
+        <p:nvSpPr>
+          <p:cNvPr id="3" name="正方形/長方形 2">
+            <a:extLst>
+              <a:ext uri="{FF2B5EF4-FFF2-40B4-BE49-F238E27FC236}">
+                <a16:creationId xmlns:a16="http://schemas.microsoft.com/office/drawing/2014/main" id="{FC2F4FB4-B57A-40A8-8449-C1D50D0B128E}"/>
+              </a:ext>
+            </a:extLst>
+          </p:cNvPr>
+          <p:cNvSpPr/>
+          <p:nvPr/>
+        </p:nvSpPr>
+        <p:spPr>
+          <a:xfrm>
+            <a:off x="3429000" y="596900"/>
+            <a:ext cx="4445000" cy="1536700"/>
+          </a:xfrm>
+          <a:prstGeom prst="rect">
+            <a:avLst/>
+          </a:prstGeom>
+          <a:solidFill>
+            <a:schemeClr val="bg1"/>
+          </a:solidFill>
+          <a:ln w="57150">
+            <a:solidFill>
+              <a:schemeClr val="tx1"/>
+            </a:solidFill>
+          </a:ln>
+        </p:spPr>
+        <p:style>
+          <a:lnRef idx="2">
+            <a:schemeClr val="accent1">
+              <a:shade val="50000"/>
+            </a:schemeClr>
+          </a:lnRef>
+          <a:fillRef idx="1">
+            <a:schemeClr val="accent1"/>
+          </a:fillRef>
+          <a:effectRef idx="0">
+            <a:schemeClr val="accent1"/>
+          </a:effectRef>
+          <a:fontRef idx="minor">
+            <a:schemeClr val="lt1"/>
+          </a:fontRef>
+        </p:style>
+        <p:txBody>
+          <a:bodyPr rtlCol="0" anchor="ctr"/>
+          <a:lstStyle/>
+          <a:p>
+            <a:pPr algn="ctr"/>
+            <a:r>
+              <a:rPr lang="en-US" altLang="ja-JP" dirty="0">
+                <a:solidFill>
+                  <a:srgbClr val="FF0000"/>
+                </a:solidFill>
+              </a:rPr>
+              <a:t>Start button </a:t>
+            </a:r>
+            <a:endParaRPr kumimoji="1" lang="ja-JP" altLang="en-US" dirty="0">
+              <a:solidFill>
+                <a:srgbClr val="FF0000"/>
+              </a:solidFill>
+            </a:endParaRPr>
+          </a:p>
+        </p:txBody>
+      </p:sp>
+      <p:graphicFrame>
+        <p:nvGraphicFramePr>
+          <p:cNvPr id="13" name="表 13">
+            <a:extLst>
+              <a:ext uri="{FF2B5EF4-FFF2-40B4-BE49-F238E27FC236}">
+                <a16:creationId xmlns:a16="http://schemas.microsoft.com/office/drawing/2014/main" id="{4B6CC061-A144-4286-8BE3-BF3C5F6D8955}"/>
+              </a:ext>
+            </a:extLst>
+          </p:cNvPr>
+          <p:cNvGraphicFramePr>
+            <a:graphicFrameLocks noGrp="1"/>
+          </p:cNvGraphicFramePr>
+          <p:nvPr/>
+        </p:nvGraphicFramePr>
+        <p:xfrm>
+          <a:off x="609600" y="2687320"/>
+          <a:ext cx="10680699" cy="1483360"/>
+        </p:xfrm>
+        <a:graphic>
+          <a:graphicData uri="http://schemas.openxmlformats.org/drawingml/2006/table">
+            <a:tbl>
+              <a:tblPr firstRow="1" bandRow="1">
+                <a:tableStyleId>{073A0DAA-6AF3-43AB-8588-CEC1D06C72B9}</a:tableStyleId>
+              </a:tblPr>
+              <a:tblGrid>
+                <a:gridCol w="1460500">
+                  <a:extLst>
+                    <a:ext uri="{9D8B030D-6E8A-4147-A177-3AD203B41FA5}">
+                      <a16:colId xmlns:a16="http://schemas.microsoft.com/office/drawing/2014/main" val="1240788739"/>
+                    </a:ext>
+                  </a:extLst>
+                </a:gridCol>
+                <a:gridCol w="1341967">
+                  <a:extLst>
+                    <a:ext uri="{9D8B030D-6E8A-4147-A177-3AD203B41FA5}">
+                      <a16:colId xmlns:a16="http://schemas.microsoft.com/office/drawing/2014/main" val="3509691027"/>
+                    </a:ext>
+                  </a:extLst>
+                </a:gridCol>
+                <a:gridCol w="1341967">
+                  <a:extLst>
+                    <a:ext uri="{9D8B030D-6E8A-4147-A177-3AD203B41FA5}">
+                      <a16:colId xmlns:a16="http://schemas.microsoft.com/office/drawing/2014/main" val="4064342373"/>
+                    </a:ext>
+                  </a:extLst>
+                </a:gridCol>
+                <a:gridCol w="1341967">
+                  <a:extLst>
+                    <a:ext uri="{9D8B030D-6E8A-4147-A177-3AD203B41FA5}">
+                      <a16:colId xmlns:a16="http://schemas.microsoft.com/office/drawing/2014/main" val="2869465449"/>
+                    </a:ext>
+                  </a:extLst>
+                </a:gridCol>
+                <a:gridCol w="2597149">
+                  <a:extLst>
+                    <a:ext uri="{9D8B030D-6E8A-4147-A177-3AD203B41FA5}">
+                      <a16:colId xmlns:a16="http://schemas.microsoft.com/office/drawing/2014/main" val="805891050"/>
+                    </a:ext>
+                  </a:extLst>
+                </a:gridCol>
+                <a:gridCol w="2597149">
+                  <a:extLst>
+                    <a:ext uri="{9D8B030D-6E8A-4147-A177-3AD203B41FA5}">
+                      <a16:colId xmlns:a16="http://schemas.microsoft.com/office/drawing/2014/main" val="2312505939"/>
+                    </a:ext>
+                  </a:extLst>
+                </a:gridCol>
+              </a:tblGrid>
+              <a:tr h="370840">
+                <a:tc>
+                  <a:txBody>
+                    <a:bodyPr/>
+                    <a:lstStyle/>
+                    <a:p>
+                      <a:pPr algn="ctr"/>
+                      <a:r>
+                        <a:rPr kumimoji="1" lang="ja-JP" altLang="en-US" dirty="0"/>
+                        <a:t>日付</a:t>
+                      </a:r>
+                    </a:p>
+                  </a:txBody>
+                  <a:tcPr/>
+                </a:tc>
+                <a:tc>
+                  <a:txBody>
+                    <a:bodyPr/>
+                    <a:lstStyle/>
+                    <a:p>
+                      <a:pPr algn="ctr"/>
+                      <a:r>
+                        <a:rPr kumimoji="1" lang="ja-JP" altLang="en-US" dirty="0"/>
+                        <a:t>開始時間</a:t>
+                      </a:r>
+                    </a:p>
+                  </a:txBody>
+                  <a:tcPr/>
+                </a:tc>
+                <a:tc>
+                  <a:txBody>
+                    <a:bodyPr/>
+                    <a:lstStyle/>
+                    <a:p>
+                      <a:pPr algn="ctr"/>
+                      <a:r>
+                        <a:rPr kumimoji="1" lang="ja-JP" altLang="en-US" dirty="0"/>
+                        <a:t>終了時間</a:t>
+                      </a:r>
+                    </a:p>
+                  </a:txBody>
+                  <a:tcPr/>
+                </a:tc>
+                <a:tc>
+                  <a:txBody>
+                    <a:bodyPr/>
+                    <a:lstStyle/>
+                    <a:p>
+                      <a:pPr algn="ctr"/>
+                      <a:r>
+                        <a:rPr kumimoji="1" lang="ja-JP" altLang="en-US" dirty="0"/>
+                        <a:t>就業時間</a:t>
+                      </a:r>
+                    </a:p>
+                  </a:txBody>
+                  <a:tcPr/>
+                </a:tc>
+                <a:tc>
+                  <a:txBody>
+                    <a:bodyPr/>
+                    <a:lstStyle/>
+                    <a:p>
+                      <a:pPr algn="ctr"/>
+                      <a:r>
+                        <a:rPr kumimoji="1" lang="ja-JP" altLang="en-US" dirty="0"/>
+                        <a:t>仕事内容</a:t>
+                      </a:r>
+                    </a:p>
+                  </a:txBody>
+                  <a:tcPr/>
+                </a:tc>
+                <a:tc>
+                  <a:txBody>
+                    <a:bodyPr/>
+                    <a:lstStyle/>
+                    <a:p>
+                      <a:pPr algn="ctr"/>
+                      <a:r>
+                        <a:rPr kumimoji="1" lang="ja-JP" altLang="en-US" dirty="0"/>
+                        <a:t>補足</a:t>
+                      </a:r>
+                    </a:p>
+                  </a:txBody>
+                  <a:tcPr/>
+                </a:tc>
+                <a:extLst>
+                  <a:ext uri="{0D108BD9-81ED-4DB2-BD59-A6C34878D82A}">
+                    <a16:rowId xmlns:a16="http://schemas.microsoft.com/office/drawing/2014/main" val="3968347354"/>
+                  </a:ext>
+                </a:extLst>
+              </a:tr>
+              <a:tr h="370840">
+                <a:tc>
+                  <a:txBody>
+                    <a:bodyPr/>
+                    <a:lstStyle/>
+                    <a:p>
+                      <a:r>
+                        <a:rPr kumimoji="1" lang="en-US" altLang="ja-JP" dirty="0"/>
+                        <a:t>2021/10/30</a:t>
+                      </a:r>
+                      <a:endParaRPr kumimoji="1" lang="ja-JP" altLang="en-US" dirty="0"/>
+                    </a:p>
+                  </a:txBody>
+                  <a:tcPr/>
+                </a:tc>
+                <a:tc>
+                  <a:txBody>
+                    <a:bodyPr/>
+                    <a:lstStyle/>
+                    <a:p>
+                      <a:pPr algn="ctr"/>
+                      <a:r>
+                        <a:rPr kumimoji="1" lang="en-US" altLang="ja-JP" dirty="0"/>
+                        <a:t>17:39</a:t>
+                      </a:r>
+                      <a:endParaRPr kumimoji="1" lang="ja-JP" altLang="en-US" dirty="0"/>
+                    </a:p>
+                  </a:txBody>
+                  <a:tcPr/>
+                </a:tc>
+                <a:tc>
+                  <a:txBody>
+                    <a:bodyPr/>
+                    <a:lstStyle/>
+                    <a:p>
+                      <a:pPr algn="ctr"/>
+                      <a:r>
+                        <a:rPr kumimoji="1" lang="en-US" altLang="ja-JP" dirty="0"/>
+                        <a:t>18:39</a:t>
+                      </a:r>
+                      <a:endParaRPr kumimoji="1" lang="ja-JP" altLang="en-US" dirty="0"/>
+                    </a:p>
+                  </a:txBody>
+                  <a:tcPr/>
+                </a:tc>
+                <a:tc>
+                  <a:txBody>
+                    <a:bodyPr/>
+                    <a:lstStyle/>
+                    <a:p>
+                      <a:pPr algn="ctr"/>
+                      <a:r>
+                        <a:rPr kumimoji="1" lang="en-US" altLang="ja-JP" dirty="0"/>
+                        <a:t>1</a:t>
+                      </a:r>
+                      <a:r>
+                        <a:rPr kumimoji="1" lang="ja-JP" altLang="en-US" dirty="0"/>
+                        <a:t>時間</a:t>
+                      </a:r>
+                    </a:p>
+                  </a:txBody>
+                  <a:tcPr/>
+                </a:tc>
+                <a:tc>
+                  <a:txBody>
+                    <a:bodyPr/>
+                    <a:lstStyle/>
+                    <a:p>
+                      <a:pPr algn="ctr"/>
+                      <a:r>
+                        <a:rPr kumimoji="1" lang="ja-JP" altLang="en-US" dirty="0"/>
+                        <a:t>引っ越し手伝い</a:t>
+                      </a:r>
+                    </a:p>
+                  </a:txBody>
+                  <a:tcPr/>
+                </a:tc>
+                <a:tc>
+                  <a:txBody>
+                    <a:bodyPr/>
+                    <a:lstStyle/>
+                    <a:p>
+                      <a:endParaRPr kumimoji="1" lang="ja-JP" altLang="en-US" dirty="0"/>
+                    </a:p>
+                  </a:txBody>
+                  <a:tcPr/>
+                </a:tc>
+                <a:extLst>
+                  <a:ext uri="{0D108BD9-81ED-4DB2-BD59-A6C34878D82A}">
+                    <a16:rowId xmlns:a16="http://schemas.microsoft.com/office/drawing/2014/main" val="2585441498"/>
+                  </a:ext>
+                </a:extLst>
+              </a:tr>
+              <a:tr h="370840">
+                <a:tc>
+                  <a:txBody>
+                    <a:bodyPr/>
+                    <a:lstStyle/>
+                    <a:p>
+                      <a:r>
+                        <a:rPr kumimoji="1" lang="en-US" altLang="ja-JP" dirty="0"/>
+                        <a:t>2021/11/3</a:t>
+                      </a:r>
+                      <a:endParaRPr kumimoji="1" lang="ja-JP" altLang="en-US" dirty="0"/>
+                    </a:p>
+                  </a:txBody>
+                  <a:tcPr/>
+                </a:tc>
+                <a:tc>
+                  <a:txBody>
+                    <a:bodyPr/>
+                    <a:lstStyle/>
+                    <a:p>
+                      <a:pPr algn="ctr"/>
+                      <a:r>
+                        <a:rPr kumimoji="1" lang="en-US" altLang="ja-JP" dirty="0"/>
+                        <a:t>18:00</a:t>
+                      </a:r>
+                      <a:endParaRPr kumimoji="1" lang="ja-JP" altLang="en-US" dirty="0"/>
+                    </a:p>
+                  </a:txBody>
+                  <a:tcPr/>
+                </a:tc>
+                <a:tc>
+                  <a:txBody>
+                    <a:bodyPr/>
+                    <a:lstStyle/>
+                    <a:p>
+                      <a:pPr algn="ctr"/>
+                      <a:r>
+                        <a:rPr kumimoji="1" lang="en-US" altLang="ja-JP" dirty="0"/>
+                        <a:t>20:20</a:t>
+                      </a:r>
+                      <a:endParaRPr kumimoji="1" lang="ja-JP" altLang="en-US" dirty="0"/>
+                    </a:p>
+                  </a:txBody>
+                  <a:tcPr/>
+                </a:tc>
+                <a:tc>
+                  <a:txBody>
+                    <a:bodyPr/>
+                    <a:lstStyle/>
+                    <a:p>
+                      <a:pPr algn="ctr"/>
+                      <a:r>
+                        <a:rPr kumimoji="1" lang="en-US" altLang="ja-JP" dirty="0"/>
+                        <a:t>2.2</a:t>
+                      </a:r>
+                      <a:r>
+                        <a:rPr kumimoji="1" lang="ja-JP" altLang="en-US" dirty="0"/>
+                        <a:t>時間</a:t>
+                      </a:r>
+                    </a:p>
+                  </a:txBody>
+                  <a:tcPr/>
+                </a:tc>
+                <a:tc>
+                  <a:txBody>
+                    <a:bodyPr/>
+                    <a:lstStyle/>
+                    <a:p>
+                      <a:pPr algn="ctr"/>
+                      <a:r>
+                        <a:rPr kumimoji="1" lang="ja-JP" altLang="en-US" dirty="0"/>
+                        <a:t>ガーゴイル支援システ</a:t>
+                      </a:r>
+                    </a:p>
+                  </a:txBody>
+                  <a:tcPr/>
+                </a:tc>
+                <a:tc>
+                  <a:txBody>
+                    <a:bodyPr/>
+                    <a:lstStyle/>
+                    <a:p>
+                      <a:r>
+                        <a:rPr kumimoji="1" lang="en-US" altLang="ja-JP" dirty="0"/>
+                        <a:t>3</a:t>
+                      </a:r>
+                      <a:r>
+                        <a:rPr kumimoji="1" lang="ja-JP" altLang="en-US" dirty="0"/>
+                        <a:t>時間で計算してよい</a:t>
+                      </a:r>
+                    </a:p>
+                  </a:txBody>
+                  <a:tcPr/>
+                </a:tc>
+                <a:extLst>
+                  <a:ext uri="{0D108BD9-81ED-4DB2-BD59-A6C34878D82A}">
+                    <a16:rowId xmlns:a16="http://schemas.microsoft.com/office/drawing/2014/main" val="2502385376"/>
+                  </a:ext>
+                </a:extLst>
+              </a:tr>
+              <a:tr h="370840">
+                <a:tc>
+                  <a:txBody>
+                    <a:bodyPr/>
+                    <a:lstStyle/>
+                    <a:p>
+                      <a:r>
+                        <a:rPr kumimoji="1" lang="en-US" altLang="ja-JP" dirty="0"/>
+                        <a:t>2021/11/3</a:t>
+                      </a:r>
+                      <a:endParaRPr kumimoji="1" lang="ja-JP" altLang="en-US" dirty="0"/>
+                    </a:p>
+                  </a:txBody>
+                  <a:tcPr/>
+                </a:tc>
+                <a:tc>
+                  <a:txBody>
+                    <a:bodyPr/>
+                    <a:lstStyle/>
+                    <a:p>
+                      <a:pPr algn="ctr"/>
+                      <a:r>
+                        <a:rPr kumimoji="1" lang="en-US" altLang="ja-JP" dirty="0"/>
+                        <a:t>21:30</a:t>
+                      </a:r>
+                      <a:endParaRPr kumimoji="1" lang="ja-JP" altLang="en-US" dirty="0"/>
+                    </a:p>
+                  </a:txBody>
+                  <a:tcPr/>
+                </a:tc>
+                <a:tc>
+                  <a:txBody>
+                    <a:bodyPr/>
+                    <a:lstStyle/>
+                    <a:p>
+                      <a:pPr algn="ctr"/>
+                      <a:endParaRPr kumimoji="1" lang="ja-JP" altLang="en-US" dirty="0"/>
+                    </a:p>
+                  </a:txBody>
+                  <a:tcPr/>
+                </a:tc>
+                <a:tc>
+                  <a:txBody>
+                    <a:bodyPr/>
+                    <a:lstStyle/>
+                    <a:p>
+                      <a:pPr algn="ctr"/>
+                      <a:endParaRPr kumimoji="1" lang="ja-JP" altLang="en-US" dirty="0"/>
+                    </a:p>
+                  </a:txBody>
+                  <a:tcPr/>
+                </a:tc>
+                <a:tc>
+                  <a:txBody>
+                    <a:bodyPr/>
+                    <a:lstStyle/>
+                    <a:p>
+                      <a:pPr algn="ctr"/>
+                      <a:endParaRPr kumimoji="1" lang="ja-JP" altLang="en-US" dirty="0"/>
+                    </a:p>
+                  </a:txBody>
+                  <a:tcPr/>
+                </a:tc>
+                <a:tc>
+                  <a:txBody>
+                    <a:bodyPr/>
+                    <a:lstStyle/>
+                    <a:p>
+                      <a:endParaRPr kumimoji="1" lang="ja-JP" altLang="en-US" dirty="0"/>
+                    </a:p>
+                  </a:txBody>
+                  <a:tcPr/>
+                </a:tc>
+                <a:extLst>
+                  <a:ext uri="{0D108BD9-81ED-4DB2-BD59-A6C34878D82A}">
+                    <a16:rowId xmlns:a16="http://schemas.microsoft.com/office/drawing/2014/main" val="2676012584"/>
+                  </a:ext>
+                </a:extLst>
+              </a:tr>
+            </a:tbl>
+          </a:graphicData>
+        </a:graphic>
+      </p:graphicFrame>
+      <p:sp>
+        <p:nvSpPr>
+          <p:cNvPr id="14" name="吹き出し: 四角形 13">
+            <a:extLst>
+              <a:ext uri="{FF2B5EF4-FFF2-40B4-BE49-F238E27FC236}">
+                <a16:creationId xmlns:a16="http://schemas.microsoft.com/office/drawing/2014/main" id="{E185038C-5F47-42CE-9BDA-DFD4E7361C8B}"/>
+              </a:ext>
+            </a:extLst>
+          </p:cNvPr>
+          <p:cNvSpPr/>
+          <p:nvPr/>
+        </p:nvSpPr>
+        <p:spPr>
+          <a:xfrm>
+            <a:off x="8191500" y="505460"/>
+            <a:ext cx="2616200" cy="1892300"/>
+          </a:xfrm>
+          <a:prstGeom prst="wedgeRectCallout">
+            <a:avLst>
+              <a:gd name="adj1" fmla="val -46076"/>
+              <a:gd name="adj2" fmla="val 102768"/>
+            </a:avLst>
+          </a:prstGeom>
+          <a:solidFill>
+            <a:schemeClr val="bg1"/>
+          </a:solidFill>
+          <a:ln>
+            <a:solidFill>
+              <a:schemeClr val="tx1"/>
+            </a:solidFill>
+          </a:ln>
+        </p:spPr>
+        <p:style>
+          <a:lnRef idx="2">
+            <a:schemeClr val="accent1">
+              <a:shade val="50000"/>
+            </a:schemeClr>
+          </a:lnRef>
+          <a:fillRef idx="1">
+            <a:schemeClr val="accent1"/>
+          </a:fillRef>
+          <a:effectRef idx="0">
+            <a:schemeClr val="accent1"/>
+          </a:effectRef>
+          <a:fontRef idx="minor">
+            <a:schemeClr val="lt1"/>
+          </a:fontRef>
+        </p:style>
+        <p:txBody>
+          <a:bodyPr rtlCol="0" anchor="ctr"/>
+          <a:lstStyle/>
+          <a:p>
+            <a:pPr algn="ctr"/>
+            <a:r>
+              <a:rPr kumimoji="1" lang="en-US" altLang="ja-JP" dirty="0">
+                <a:solidFill>
+                  <a:schemeClr val="tx1"/>
+                </a:solidFill>
+              </a:rPr>
+              <a:t>&lt;</a:t>
+            </a:r>
+            <a:r>
+              <a:rPr kumimoji="1" lang="ja-JP" altLang="en-US" dirty="0">
+                <a:solidFill>
+                  <a:schemeClr val="tx1"/>
+                </a:solidFill>
+              </a:rPr>
+              <a:t>ホバー</a:t>
+            </a:r>
+            <a:r>
+              <a:rPr kumimoji="1" lang="en-US" altLang="ja-JP" dirty="0">
+                <a:solidFill>
+                  <a:schemeClr val="tx1"/>
+                </a:solidFill>
+              </a:rPr>
+              <a:t>&gt;</a:t>
+            </a:r>
+          </a:p>
+          <a:p>
+            <a:pPr algn="ctr"/>
+            <a:r>
+              <a:rPr kumimoji="1" lang="ja-JP" altLang="en-US" dirty="0">
+                <a:solidFill>
+                  <a:schemeClr val="tx1"/>
+                </a:solidFill>
+              </a:rPr>
+              <a:t>ガーゴイル支援システム実験</a:t>
+            </a:r>
+          </a:p>
+        </p:txBody>
+      </p:sp>
+      <p:sp>
+        <p:nvSpPr>
+          <p:cNvPr id="15" name="正方形/長方形 14">
+            <a:extLst>
+              <a:ext uri="{FF2B5EF4-FFF2-40B4-BE49-F238E27FC236}">
+                <a16:creationId xmlns:a16="http://schemas.microsoft.com/office/drawing/2014/main" id="{DDB03C9E-D633-41CA-A684-A7D114C1A6CC}"/>
+              </a:ext>
+            </a:extLst>
+          </p:cNvPr>
+          <p:cNvSpPr/>
+          <p:nvPr/>
+        </p:nvSpPr>
+        <p:spPr>
+          <a:xfrm>
+            <a:off x="609600" y="5107940"/>
+            <a:ext cx="2616200" cy="749300"/>
+          </a:xfrm>
+          <a:prstGeom prst="rect">
+            <a:avLst/>
+          </a:prstGeom>
+          <a:solidFill>
+            <a:schemeClr val="bg1"/>
+          </a:solidFill>
+          <a:ln w="38100">
+            <a:solidFill>
+              <a:schemeClr val="tx1"/>
+            </a:solidFill>
+          </a:ln>
+        </p:spPr>
+        <p:style>
+          <a:lnRef idx="2">
+            <a:schemeClr val="accent1">
+              <a:shade val="50000"/>
+            </a:schemeClr>
+          </a:lnRef>
+          <a:fillRef idx="1">
+            <a:schemeClr val="accent1"/>
+          </a:fillRef>
+          <a:effectRef idx="0">
+            <a:schemeClr val="accent1"/>
+          </a:effectRef>
+          <a:fontRef idx="minor">
+            <a:schemeClr val="lt1"/>
+          </a:fontRef>
+        </p:style>
+        <p:txBody>
+          <a:bodyPr rtlCol="0" anchor="ctr"/>
+          <a:lstStyle/>
+          <a:p>
+            <a:pPr algn="ctr"/>
+            <a:r>
+              <a:rPr kumimoji="1" lang="en-US" altLang="ja-JP" dirty="0">
+                <a:solidFill>
+                  <a:schemeClr val="tx1"/>
+                </a:solidFill>
+              </a:rPr>
+              <a:t>Excel</a:t>
+            </a:r>
+            <a:r>
+              <a:rPr lang="ja-JP" altLang="en-US" dirty="0">
+                <a:solidFill>
+                  <a:schemeClr val="tx1"/>
+                </a:solidFill>
+              </a:rPr>
+              <a:t> 出力</a:t>
+            </a:r>
+            <a:endParaRPr kumimoji="1" lang="ja-JP" altLang="en-US" dirty="0">
+              <a:solidFill>
+                <a:schemeClr val="tx1"/>
+              </a:solidFill>
+            </a:endParaRPr>
+          </a:p>
+        </p:txBody>
+      </p:sp>
+      <p:sp>
+        <p:nvSpPr>
+          <p:cNvPr id="18" name="正方形/長方形 17">
+            <a:extLst>
+              <a:ext uri="{FF2B5EF4-FFF2-40B4-BE49-F238E27FC236}">
+                <a16:creationId xmlns:a16="http://schemas.microsoft.com/office/drawing/2014/main" id="{156B427A-37EC-45BD-B3B5-FFE0169D7503}"/>
+              </a:ext>
+            </a:extLst>
+          </p:cNvPr>
+          <p:cNvSpPr/>
+          <p:nvPr/>
+        </p:nvSpPr>
+        <p:spPr>
+          <a:xfrm>
+            <a:off x="4997450" y="4403209"/>
+            <a:ext cx="1308100" cy="472202"/>
+          </a:xfrm>
+          <a:prstGeom prst="rect">
+            <a:avLst/>
+          </a:prstGeom>
+          <a:solidFill>
+            <a:schemeClr val="bg1"/>
+          </a:solidFill>
+          <a:ln w="38100">
+            <a:solidFill>
+              <a:schemeClr val="tx1"/>
+            </a:solidFill>
+          </a:ln>
+        </p:spPr>
+        <p:style>
+          <a:lnRef idx="2">
+            <a:schemeClr val="accent1">
+              <a:shade val="50000"/>
+            </a:schemeClr>
+          </a:lnRef>
+          <a:fillRef idx="1">
+            <a:schemeClr val="accent1"/>
+          </a:fillRef>
+          <a:effectRef idx="0">
+            <a:schemeClr val="accent1"/>
+          </a:effectRef>
+          <a:fontRef idx="minor">
+            <a:schemeClr val="lt1"/>
+          </a:fontRef>
+        </p:style>
+        <p:txBody>
+          <a:bodyPr rtlCol="0" anchor="ctr"/>
+          <a:lstStyle/>
+          <a:p>
+            <a:pPr algn="ctr"/>
+            <a:r>
+              <a:rPr lang="ja-JP" altLang="en-US" dirty="0">
+                <a:solidFill>
+                  <a:schemeClr val="tx1"/>
+                </a:solidFill>
+              </a:rPr>
+              <a:t>追加</a:t>
+            </a:r>
+            <a:endParaRPr kumimoji="1" lang="ja-JP" altLang="en-US" dirty="0">
+              <a:solidFill>
+                <a:schemeClr val="tx1"/>
+              </a:solidFill>
+            </a:endParaRPr>
+          </a:p>
+        </p:txBody>
+      </p:sp>
+      <p:sp>
+        <p:nvSpPr>
+          <p:cNvPr id="19" name="正方形/長方形 18">
+            <a:extLst>
+              <a:ext uri="{FF2B5EF4-FFF2-40B4-BE49-F238E27FC236}">
+                <a16:creationId xmlns:a16="http://schemas.microsoft.com/office/drawing/2014/main" id="{0823D46E-1E0D-4EC8-A0A1-71C34ACBD7FA}"/>
+              </a:ext>
+            </a:extLst>
+          </p:cNvPr>
+          <p:cNvSpPr/>
+          <p:nvPr/>
+        </p:nvSpPr>
+        <p:spPr>
+          <a:xfrm>
+            <a:off x="11334750" y="3073400"/>
+            <a:ext cx="781050" cy="355600"/>
+          </a:xfrm>
+          <a:prstGeom prst="rect">
+            <a:avLst/>
+          </a:prstGeom>
+          <a:solidFill>
+            <a:schemeClr val="bg1"/>
+          </a:solidFill>
+          <a:ln w="38100">
+            <a:solidFill>
+              <a:schemeClr val="tx1"/>
+            </a:solidFill>
+          </a:ln>
+        </p:spPr>
+        <p:style>
+          <a:lnRef idx="2">
+            <a:schemeClr val="accent1">
+              <a:shade val="50000"/>
+            </a:schemeClr>
+          </a:lnRef>
+          <a:fillRef idx="1">
+            <a:schemeClr val="accent1"/>
+          </a:fillRef>
+          <a:effectRef idx="0">
+            <a:schemeClr val="accent1"/>
+          </a:effectRef>
+          <a:fontRef idx="minor">
+            <a:schemeClr val="lt1"/>
+          </a:fontRef>
+        </p:style>
+        <p:txBody>
+          <a:bodyPr rtlCol="0" anchor="ctr"/>
+          <a:lstStyle/>
+          <a:p>
+            <a:pPr algn="ctr"/>
+            <a:r>
+              <a:rPr kumimoji="1" lang="ja-JP" altLang="en-US" dirty="0">
+                <a:solidFill>
+                  <a:schemeClr val="tx1"/>
+                </a:solidFill>
+              </a:rPr>
+              <a:t>編集</a:t>
+            </a:r>
+          </a:p>
+        </p:txBody>
+      </p:sp>
+      <p:sp>
+        <p:nvSpPr>
+          <p:cNvPr id="20" name="正方形/長方形 19">
+            <a:extLst>
+              <a:ext uri="{FF2B5EF4-FFF2-40B4-BE49-F238E27FC236}">
+                <a16:creationId xmlns:a16="http://schemas.microsoft.com/office/drawing/2014/main" id="{F602BBF8-304A-4869-9C84-B7B960444F25}"/>
+              </a:ext>
+            </a:extLst>
+          </p:cNvPr>
+          <p:cNvSpPr/>
+          <p:nvPr/>
+        </p:nvSpPr>
+        <p:spPr>
+          <a:xfrm>
+            <a:off x="11334750" y="3444240"/>
+            <a:ext cx="781050" cy="355600"/>
+          </a:xfrm>
+          <a:prstGeom prst="rect">
+            <a:avLst/>
+          </a:prstGeom>
+          <a:solidFill>
+            <a:schemeClr val="bg1"/>
+          </a:solidFill>
+          <a:ln w="38100">
+            <a:solidFill>
+              <a:schemeClr val="tx1"/>
+            </a:solidFill>
+          </a:ln>
+        </p:spPr>
+        <p:style>
+          <a:lnRef idx="2">
+            <a:schemeClr val="accent1">
+              <a:shade val="50000"/>
+            </a:schemeClr>
+          </a:lnRef>
+          <a:fillRef idx="1">
+            <a:schemeClr val="accent1"/>
+          </a:fillRef>
+          <a:effectRef idx="0">
+            <a:schemeClr val="accent1"/>
+          </a:effectRef>
+          <a:fontRef idx="minor">
+            <a:schemeClr val="lt1"/>
+          </a:fontRef>
+        </p:style>
+        <p:txBody>
+          <a:bodyPr rtlCol="0" anchor="ctr"/>
+          <a:lstStyle/>
+          <a:p>
+            <a:pPr algn="ctr"/>
+            <a:r>
+              <a:rPr kumimoji="1" lang="ja-JP" altLang="en-US" dirty="0">
+                <a:solidFill>
+                  <a:schemeClr val="tx1"/>
+                </a:solidFill>
+              </a:rPr>
+              <a:t>編集</a:t>
+            </a:r>
+          </a:p>
+        </p:txBody>
+      </p:sp>
+      <p:sp>
+        <p:nvSpPr>
+          <p:cNvPr id="21" name="正方形/長方形 20">
+            <a:extLst>
+              <a:ext uri="{FF2B5EF4-FFF2-40B4-BE49-F238E27FC236}">
+                <a16:creationId xmlns:a16="http://schemas.microsoft.com/office/drawing/2014/main" id="{D815E783-DD97-4E41-8B7A-BF7F4DE3F7FD}"/>
+              </a:ext>
+            </a:extLst>
+          </p:cNvPr>
+          <p:cNvSpPr/>
+          <p:nvPr/>
+        </p:nvSpPr>
+        <p:spPr>
+          <a:xfrm>
+            <a:off x="11334750" y="3815080"/>
+            <a:ext cx="781050" cy="355600"/>
+          </a:xfrm>
+          <a:prstGeom prst="rect">
+            <a:avLst/>
+          </a:prstGeom>
+          <a:solidFill>
+            <a:schemeClr val="bg1"/>
+          </a:solidFill>
+          <a:ln w="38100">
+            <a:solidFill>
+              <a:schemeClr val="tx1"/>
+            </a:solidFill>
+          </a:ln>
+        </p:spPr>
+        <p:style>
+          <a:lnRef idx="2">
+            <a:schemeClr val="accent1">
+              <a:shade val="50000"/>
+            </a:schemeClr>
+          </a:lnRef>
+          <a:fillRef idx="1">
+            <a:schemeClr val="accent1"/>
+          </a:fillRef>
+          <a:effectRef idx="0">
+            <a:schemeClr val="accent1"/>
+          </a:effectRef>
+          <a:fontRef idx="minor">
+            <a:schemeClr val="lt1"/>
+          </a:fontRef>
+        </p:style>
+        <p:txBody>
+          <a:bodyPr rtlCol="0" anchor="ctr"/>
+          <a:lstStyle/>
+          <a:p>
+            <a:pPr algn="ctr"/>
+            <a:r>
+              <a:rPr kumimoji="1" lang="ja-JP" altLang="en-US" dirty="0">
+                <a:solidFill>
+                  <a:schemeClr val="tx1"/>
+                </a:solidFill>
+              </a:rPr>
+              <a:t>編集</a:t>
+            </a:r>
+          </a:p>
+        </p:txBody>
+      </p:sp>
+      <p:sp>
+        <p:nvSpPr>
+          <p:cNvPr id="11" name="正方形/長方形 10">
+            <a:extLst>
+              <a:ext uri="{FF2B5EF4-FFF2-40B4-BE49-F238E27FC236}">
+                <a16:creationId xmlns:a16="http://schemas.microsoft.com/office/drawing/2014/main" id="{5A9C3648-2DAA-4864-BF88-2DD5FBBA200E}"/>
+              </a:ext>
+            </a:extLst>
+          </p:cNvPr>
+          <p:cNvSpPr/>
+          <p:nvPr/>
+        </p:nvSpPr>
+        <p:spPr>
+          <a:xfrm>
+            <a:off x="1860550" y="829428"/>
+            <a:ext cx="8655050" cy="4910971"/>
+          </a:xfrm>
+          <a:prstGeom prst="rect">
+            <a:avLst/>
+          </a:prstGeom>
+          <a:solidFill>
+            <a:schemeClr val="bg1"/>
+          </a:solidFill>
+          <a:ln w="57150">
+            <a:solidFill>
+              <a:schemeClr val="tx1"/>
+            </a:solidFill>
+          </a:ln>
+        </p:spPr>
+        <p:style>
+          <a:lnRef idx="2">
+            <a:schemeClr val="accent1">
+              <a:shade val="50000"/>
+            </a:schemeClr>
+          </a:lnRef>
+          <a:fillRef idx="1">
+            <a:schemeClr val="accent1"/>
+          </a:fillRef>
+          <a:effectRef idx="0">
+            <a:schemeClr val="accent1"/>
+          </a:effectRef>
+          <a:fontRef idx="minor">
+            <a:schemeClr val="lt1"/>
+          </a:fontRef>
+        </p:style>
+        <p:txBody>
+          <a:bodyPr rtlCol="0" anchor="ctr"/>
+          <a:lstStyle/>
+          <a:p>
+            <a:pPr algn="ctr"/>
+            <a:endParaRPr kumimoji="1" lang="ja-JP" altLang="en-US" dirty="0">
+              <a:solidFill>
+                <a:srgbClr val="FF0000"/>
+              </a:solidFill>
+            </a:endParaRPr>
+          </a:p>
+        </p:txBody>
+      </p:sp>
+      <p:sp>
+        <p:nvSpPr>
+          <p:cNvPr id="4" name="テキスト ボックス 3">
+            <a:extLst>
+              <a:ext uri="{FF2B5EF4-FFF2-40B4-BE49-F238E27FC236}">
+                <a16:creationId xmlns:a16="http://schemas.microsoft.com/office/drawing/2014/main" id="{95D64E2C-0E01-4D85-8381-87E1577735AE}"/>
+              </a:ext>
+            </a:extLst>
+          </p:cNvPr>
+          <p:cNvSpPr txBox="1"/>
+          <p:nvPr/>
+        </p:nvSpPr>
+        <p:spPr>
+          <a:xfrm>
+            <a:off x="1860550" y="829428"/>
+            <a:ext cx="2178050" cy="369332"/>
+          </a:xfrm>
+          <a:prstGeom prst="rect">
+            <a:avLst/>
+          </a:prstGeom>
+          <a:noFill/>
+        </p:spPr>
+        <p:txBody>
+          <a:bodyPr wrap="square" rtlCol="0">
+            <a:spAutoFit/>
+          </a:bodyPr>
+          <a:lstStyle/>
+          <a:p>
+            <a:r>
+              <a:rPr kumimoji="1" lang="ja-JP" altLang="en-US" dirty="0"/>
+              <a:t>ポップアップ</a:t>
+            </a:r>
+          </a:p>
+        </p:txBody>
+      </p:sp>
+      <p:sp>
+        <p:nvSpPr>
+          <p:cNvPr id="27" name="テキスト ボックス 26">
+            <a:extLst>
+              <a:ext uri="{FF2B5EF4-FFF2-40B4-BE49-F238E27FC236}">
+                <a16:creationId xmlns:a16="http://schemas.microsoft.com/office/drawing/2014/main" id="{5F26A1BF-8E55-41BD-932F-85F5389B8EAE}"/>
+              </a:ext>
+            </a:extLst>
+          </p:cNvPr>
+          <p:cNvSpPr txBox="1"/>
+          <p:nvPr/>
+        </p:nvSpPr>
+        <p:spPr>
+          <a:xfrm>
+            <a:off x="3128963" y="2191326"/>
+            <a:ext cx="3817938" cy="369332"/>
+          </a:xfrm>
+          <a:prstGeom prst="rect">
+            <a:avLst/>
+          </a:prstGeom>
+          <a:noFill/>
+        </p:spPr>
+        <p:txBody>
+          <a:bodyPr wrap="square" rtlCol="0">
+            <a:spAutoFit/>
+          </a:bodyPr>
+          <a:lstStyle/>
+          <a:p>
+            <a:r>
+              <a:rPr lang="en-US" altLang="ja-JP" dirty="0"/>
+              <a:t>Excel</a:t>
+            </a:r>
+            <a:r>
+              <a:rPr lang="ja-JP" altLang="en-US" dirty="0"/>
+              <a:t>ファイルを入力してください</a:t>
+            </a:r>
+            <a:endParaRPr kumimoji="1" lang="ja-JP" altLang="en-US" dirty="0"/>
+          </a:p>
+        </p:txBody>
+      </p:sp>
+      <p:sp>
+        <p:nvSpPr>
+          <p:cNvPr id="30" name="正方形/長方形 29">
+            <a:extLst>
+              <a:ext uri="{FF2B5EF4-FFF2-40B4-BE49-F238E27FC236}">
+                <a16:creationId xmlns:a16="http://schemas.microsoft.com/office/drawing/2014/main" id="{2A258E49-628E-4464-80F1-4EB3D47E160C}"/>
+              </a:ext>
+            </a:extLst>
+          </p:cNvPr>
+          <p:cNvSpPr/>
+          <p:nvPr/>
+        </p:nvSpPr>
+        <p:spPr>
+          <a:xfrm>
+            <a:off x="3194050" y="2698218"/>
+            <a:ext cx="5803900" cy="413977"/>
+          </a:xfrm>
+          <a:prstGeom prst="rect">
+            <a:avLst/>
+          </a:prstGeom>
+          <a:solidFill>
+            <a:schemeClr val="bg1"/>
+          </a:solidFill>
+          <a:ln w="38100">
+            <a:solidFill>
+              <a:schemeClr val="tx1"/>
+            </a:solidFill>
+          </a:ln>
+        </p:spPr>
+        <p:style>
+          <a:lnRef idx="2">
+            <a:schemeClr val="accent1">
+              <a:shade val="50000"/>
+            </a:schemeClr>
+          </a:lnRef>
+          <a:fillRef idx="1">
+            <a:schemeClr val="accent1"/>
+          </a:fillRef>
+          <a:effectRef idx="0">
+            <a:schemeClr val="accent1"/>
+          </a:effectRef>
+          <a:fontRef idx="minor">
+            <a:schemeClr val="lt1"/>
+          </a:fontRef>
+        </p:style>
+        <p:txBody>
+          <a:bodyPr rtlCol="0" anchor="ctr"/>
+          <a:lstStyle/>
+          <a:p>
+            <a:r>
+              <a:rPr kumimoji="1" lang="ja-JP" altLang="en-US" dirty="0">
+                <a:solidFill>
+                  <a:schemeClr val="bg2">
+                    <a:lumMod val="75000"/>
+                  </a:schemeClr>
+                </a:solidFill>
+              </a:rPr>
+              <a:t>入力して下さい</a:t>
+            </a:r>
+          </a:p>
+        </p:txBody>
+      </p:sp>
+      <p:sp>
+        <p:nvSpPr>
+          <p:cNvPr id="32" name="正方形/長方形 31">
+            <a:extLst>
+              <a:ext uri="{FF2B5EF4-FFF2-40B4-BE49-F238E27FC236}">
+                <a16:creationId xmlns:a16="http://schemas.microsoft.com/office/drawing/2014/main" id="{F8F931B4-C161-4759-BE3D-2B8AA14AA645}"/>
+              </a:ext>
+            </a:extLst>
+          </p:cNvPr>
+          <p:cNvSpPr/>
+          <p:nvPr/>
+        </p:nvSpPr>
+        <p:spPr>
+          <a:xfrm>
+            <a:off x="7874000" y="3679331"/>
+            <a:ext cx="1295400" cy="413977"/>
+          </a:xfrm>
+          <a:prstGeom prst="rect">
+            <a:avLst/>
+          </a:prstGeom>
+          <a:solidFill>
+            <a:schemeClr val="bg1"/>
+          </a:solidFill>
+          <a:ln w="38100">
+            <a:solidFill>
+              <a:schemeClr val="tx1"/>
+            </a:solidFill>
+          </a:ln>
+        </p:spPr>
+        <p:style>
+          <a:lnRef idx="2">
+            <a:schemeClr val="accent1">
+              <a:shade val="50000"/>
+            </a:schemeClr>
+          </a:lnRef>
+          <a:fillRef idx="1">
+            <a:schemeClr val="accent1"/>
+          </a:fillRef>
+          <a:effectRef idx="0">
+            <a:schemeClr val="accent1"/>
+          </a:effectRef>
+          <a:fontRef idx="minor">
+            <a:schemeClr val="lt1"/>
+          </a:fontRef>
+        </p:style>
+        <p:txBody>
+          <a:bodyPr rtlCol="0" anchor="ctr"/>
+          <a:lstStyle/>
+          <a:p>
+            <a:pPr algn="ctr"/>
+            <a:r>
+              <a:rPr kumimoji="1" lang="ja-JP" altLang="en-US" dirty="0">
+                <a:solidFill>
+                  <a:schemeClr val="tx1"/>
+                </a:solidFill>
+              </a:rPr>
+              <a:t>完了</a:t>
+            </a:r>
+          </a:p>
+        </p:txBody>
+      </p:sp>
+    </p:spTree>
+    <p:extLst>
+      <p:ext uri="{BB962C8B-B14F-4D97-AF65-F5344CB8AC3E}">
+        <p14:creationId xmlns:p14="http://schemas.microsoft.com/office/powerpoint/2010/main" val="1012243481"/>
+      </p:ext>
+    </p:extLst>
+  </p:cSld>
+  <p:clrMapOvr>
+    <a:masterClrMapping/>
+  </p:clrMapOvr>
+</p:sld>
+</file>
+
 <file path=ppt/theme/theme1.xml><?xml version="1.0" encoding="utf-8"?>
 <a:theme xmlns:a="http://schemas.openxmlformats.org/drawingml/2006/main" name="Office テーマ">
   <a:themeElements>

--- a/docs/screen_design.pptx
+++ b/docs/screen_design.pptx
@@ -7715,7 +7715,7 @@
         </p:nvSpPr>
         <p:spPr>
           <a:xfrm>
-            <a:off x="3128963" y="2191326"/>
+            <a:off x="4329111" y="2257800"/>
             <a:ext cx="3817938" cy="369332"/>
           </a:xfrm>
           <a:prstGeom prst="rect">
@@ -7755,8 +7755,8 @@
         </p:nvSpPr>
         <p:spPr>
           <a:xfrm>
-            <a:off x="3194050" y="2698218"/>
-            <a:ext cx="5803900" cy="413977"/>
+            <a:off x="5286375" y="2791026"/>
+            <a:ext cx="1803400" cy="413977"/>
           </a:xfrm>
           <a:prstGeom prst="rect">
             <a:avLst/>
@@ -7793,12 +7793,10 @@
             <a:r>
               <a:rPr kumimoji="1" lang="ja-JP" altLang="en-US" dirty="0">
                 <a:solidFill>
-                  <a:schemeClr val="bg2">
-                    <a:lumMod val="75000"/>
-                  </a:schemeClr>
+                  <a:schemeClr val="tx1"/>
                 </a:solidFill>
               </a:rPr>
-              <a:t>入力して下さい</a:t>
+              <a:t>ファイルを選択</a:t>
             </a:r>
           </a:p>
         </p:txBody>
